--- a/CalendarioAgo2022/presentaciones/12_FuncionesOrdenSuperior.pptx
+++ b/CalendarioAgo2022/presentaciones/12_FuncionesOrdenSuperior.pptx
@@ -16,10 +16,10 @@
     <p:sldId id="612" r:id="rId7"/>
     <p:sldId id="613" r:id="rId8"/>
     <p:sldId id="614" r:id="rId9"/>
-    <p:sldId id="619" r:id="rId10"/>
-    <p:sldId id="620" r:id="rId11"/>
-    <p:sldId id="621" r:id="rId12"/>
-    <p:sldId id="618" r:id="rId13"/>
+    <p:sldId id="618" r:id="rId10"/>
+    <p:sldId id="619" r:id="rId11"/>
+    <p:sldId id="620" r:id="rId12"/>
+    <p:sldId id="621" r:id="rId13"/>
     <p:sldId id="615" r:id="rId14"/>
     <p:sldId id="617" r:id="rId15"/>
     <p:sldId id="282" r:id="rId16"/>
@@ -648,7 +648,7 @@
     </p:spTree>
     <p:extLst>
       <p:ext uri="{BB962C8B-B14F-4D97-AF65-F5344CB8AC3E}">
-        <p14:creationId xmlns:p14="http://schemas.microsoft.com/office/powerpoint/2010/main" val="2601782670"/>
+        <p14:creationId xmlns:p14="http://schemas.microsoft.com/office/powerpoint/2010/main" val="2929668301"/>
       </p:ext>
     </p:extLst>
   </p:cSld>
@@ -732,7 +732,7 @@
     </p:spTree>
     <p:extLst>
       <p:ext uri="{BB962C8B-B14F-4D97-AF65-F5344CB8AC3E}">
-        <p14:creationId xmlns:p14="http://schemas.microsoft.com/office/powerpoint/2010/main" val="2900159476"/>
+        <p14:creationId xmlns:p14="http://schemas.microsoft.com/office/powerpoint/2010/main" val="2601782670"/>
       </p:ext>
     </p:extLst>
   </p:cSld>
@@ -1488,7 +1488,7 @@
     </p:spTree>
     <p:extLst>
       <p:ext uri="{BB962C8B-B14F-4D97-AF65-F5344CB8AC3E}">
-        <p14:creationId xmlns:p14="http://schemas.microsoft.com/office/powerpoint/2010/main" val="3247641084"/>
+        <p14:creationId xmlns:p14="http://schemas.microsoft.com/office/powerpoint/2010/main" val="1772500835"/>
       </p:ext>
     </p:extLst>
   </p:cSld>
@@ -1572,7 +1572,7 @@
     </p:spTree>
     <p:extLst>
       <p:ext uri="{BB962C8B-B14F-4D97-AF65-F5344CB8AC3E}">
-        <p14:creationId xmlns:p14="http://schemas.microsoft.com/office/powerpoint/2010/main" val="2929668301"/>
+        <p14:creationId xmlns:p14="http://schemas.microsoft.com/office/powerpoint/2010/main" val="3247641084"/>
       </p:ext>
     </p:extLst>
   </p:cSld>
@@ -5109,6 +5109,1016 @@
         </p:nvSpPr>
         <p:spPr>
           <a:xfrm>
+            <a:off x="603115" y="5242041"/>
+            <a:ext cx="5359901" cy="646331"/>
+          </a:xfrm>
+          <a:prstGeom prst="rect">
+            <a:avLst/>
+          </a:prstGeom>
+          <a:noFill/>
+        </p:spPr>
+        <p:txBody>
+          <a:bodyPr wrap="square">
+            <a:spAutoFit/>
+          </a:bodyPr>
+          <a:lstStyle/>
+          <a:p>
+            <a:pPr algn="l" rtl="0"/>
+            <a:r>
+              <a:rPr lang="es-ES" b="0" i="0" dirty="0">
+                <a:solidFill>
+                  <a:srgbClr val="000000"/>
+                </a:solidFill>
+                <a:effectLst/>
+                <a:latin typeface="inherit"/>
+              </a:rPr>
+              <a:t>lista2 = </a:t>
+            </a:r>
+            <a:r>
+              <a:rPr lang="es-ES" b="0" i="0" dirty="0" err="1">
+                <a:solidFill>
+                  <a:srgbClr val="404247"/>
+                </a:solidFill>
+                <a:effectLst/>
+                <a:latin typeface="inherit"/>
+              </a:rPr>
+              <a:t>list</a:t>
+            </a:r>
+            <a:r>
+              <a:rPr lang="es-ES" b="0" i="0" dirty="0">
+                <a:solidFill>
+                  <a:srgbClr val="444444"/>
+                </a:solidFill>
+                <a:effectLst/>
+                <a:latin typeface="inherit"/>
+              </a:rPr>
+              <a:t>( </a:t>
+            </a:r>
+            <a:r>
+              <a:rPr lang="es-ES" b="0" i="0" dirty="0" err="1">
+                <a:solidFill>
+                  <a:srgbClr val="404247"/>
+                </a:solidFill>
+                <a:effectLst/>
+                <a:latin typeface="inherit"/>
+              </a:rPr>
+              <a:t>map</a:t>
+            </a:r>
+            <a:r>
+              <a:rPr lang="es-ES" b="0" i="0" dirty="0">
+                <a:solidFill>
+                  <a:srgbClr val="444444"/>
+                </a:solidFill>
+                <a:effectLst/>
+                <a:latin typeface="inherit"/>
+              </a:rPr>
+              <a:t>(</a:t>
+            </a:r>
+            <a:r>
+              <a:rPr lang="es-ES" b="1" i="0" dirty="0">
+                <a:solidFill>
+                  <a:srgbClr val="066DA1"/>
+                </a:solidFill>
+                <a:effectLst/>
+                <a:latin typeface="inherit"/>
+              </a:rPr>
+              <a:t>lambda</a:t>
+            </a:r>
+            <a:r>
+              <a:rPr lang="es-ES" b="0" i="0" dirty="0">
+                <a:solidFill>
+                  <a:srgbClr val="000000"/>
+                </a:solidFill>
+                <a:effectLst/>
+                <a:latin typeface="inherit"/>
+              </a:rPr>
+              <a:t> x, y: x*y, </a:t>
+            </a:r>
+            <a:r>
+              <a:rPr lang="es-ES" b="1" i="0" dirty="0">
+                <a:solidFill>
+                  <a:srgbClr val="000000"/>
+                </a:solidFill>
+                <a:effectLst/>
+                <a:latin typeface="inherit"/>
+              </a:rPr>
+              <a:t>lista, tupla</a:t>
+            </a:r>
+            <a:r>
+              <a:rPr lang="es-ES" b="0" i="0" dirty="0">
+                <a:solidFill>
+                  <a:srgbClr val="444444"/>
+                </a:solidFill>
+                <a:effectLst/>
+                <a:latin typeface="inherit"/>
+              </a:rPr>
+              <a:t>))</a:t>
+            </a:r>
+            <a:endParaRPr lang="es-ES" b="0" i="0" dirty="0">
+              <a:solidFill>
+                <a:srgbClr val="AAAAAA"/>
+              </a:solidFill>
+              <a:effectLst/>
+              <a:latin typeface="Source Code Pro" panose="020B0509030403020204" pitchFamily="49" charset="0"/>
+            </a:endParaRPr>
+          </a:p>
+          <a:p>
+            <a:pPr algn="l" rtl="0"/>
+            <a:r>
+              <a:rPr lang="es-ES" b="0" i="0" dirty="0" err="1">
+                <a:solidFill>
+                  <a:srgbClr val="404247"/>
+                </a:solidFill>
+                <a:effectLst/>
+                <a:latin typeface="inherit"/>
+              </a:rPr>
+              <a:t>print</a:t>
+            </a:r>
+            <a:r>
+              <a:rPr lang="es-ES" b="0" i="0" dirty="0">
+                <a:solidFill>
+                  <a:srgbClr val="444444"/>
+                </a:solidFill>
+                <a:effectLst/>
+                <a:latin typeface="inherit"/>
+              </a:rPr>
+              <a:t>(lista2)</a:t>
+            </a:r>
+            <a:endParaRPr lang="es-ES" b="0" i="0" dirty="0">
+              <a:solidFill>
+                <a:srgbClr val="AAAAAA"/>
+              </a:solidFill>
+              <a:effectLst/>
+              <a:latin typeface="Source Code Pro" panose="020B0509030403020204" pitchFamily="49" charset="0"/>
+            </a:endParaRPr>
+          </a:p>
+        </p:txBody>
+      </p:sp>
+      <p:sp>
+        <p:nvSpPr>
+          <p:cNvPr id="11" name="CuadroTexto 10">
+            <a:extLst>
+              <a:ext uri="{FF2B5EF4-FFF2-40B4-BE49-F238E27FC236}">
+                <a16:creationId xmlns:a16="http://schemas.microsoft.com/office/drawing/2014/main" id="{F14534C0-A07A-4900-AC94-DB6BF3DF9C1D}"/>
+              </a:ext>
+            </a:extLst>
+          </p:cNvPr>
+          <p:cNvSpPr txBox="1"/>
+          <p:nvPr/>
+        </p:nvSpPr>
+        <p:spPr>
+          <a:xfrm>
+            <a:off x="1043608" y="3703055"/>
+            <a:ext cx="3703716" cy="369332"/>
+          </a:xfrm>
+          <a:prstGeom prst="rect">
+            <a:avLst/>
+          </a:prstGeom>
+          <a:noFill/>
+        </p:spPr>
+        <p:txBody>
+          <a:bodyPr wrap="square">
+            <a:spAutoFit/>
+          </a:bodyPr>
+          <a:lstStyle/>
+          <a:p>
+            <a:pPr algn="l" rtl="0"/>
+            <a:r>
+              <a:rPr lang="es-ES" b="1" i="0" dirty="0" err="1">
+                <a:solidFill>
+                  <a:schemeClr val="accent6">
+                    <a:lumMod val="75000"/>
+                  </a:schemeClr>
+                </a:solidFill>
+                <a:effectLst/>
+                <a:latin typeface="inherit"/>
+              </a:rPr>
+              <a:t>map</a:t>
+            </a:r>
+            <a:r>
+              <a:rPr lang="es-ES" b="0" i="0" dirty="0">
+                <a:solidFill>
+                  <a:srgbClr val="444444"/>
+                </a:solidFill>
+                <a:effectLst/>
+                <a:latin typeface="inherit"/>
+              </a:rPr>
+              <a:t>(</a:t>
+            </a:r>
+            <a:r>
+              <a:rPr lang="es-ES" b="1" i="0" dirty="0">
+                <a:solidFill>
+                  <a:srgbClr val="066DA1"/>
+                </a:solidFill>
+                <a:effectLst/>
+                <a:latin typeface="inherit"/>
+              </a:rPr>
+              <a:t>lambda</a:t>
+            </a:r>
+            <a:r>
+              <a:rPr lang="es-ES" b="0" i="0" dirty="0">
+                <a:solidFill>
+                  <a:srgbClr val="000000"/>
+                </a:solidFill>
+                <a:effectLst/>
+                <a:latin typeface="inherit"/>
+              </a:rPr>
+              <a:t> x, y: x**y,  </a:t>
+            </a:r>
+            <a:r>
+              <a:rPr lang="es-ES" b="1" i="0" dirty="0">
+                <a:solidFill>
+                  <a:srgbClr val="00B050"/>
+                </a:solidFill>
+                <a:effectLst/>
+                <a:latin typeface="inherit"/>
+              </a:rPr>
+              <a:t>lista, tupla</a:t>
+            </a:r>
+            <a:r>
+              <a:rPr lang="es-ES" b="0" i="0" dirty="0">
+                <a:solidFill>
+                  <a:srgbClr val="444444"/>
+                </a:solidFill>
+                <a:effectLst/>
+                <a:latin typeface="inherit"/>
+              </a:rPr>
+              <a:t>)</a:t>
+            </a:r>
+          </a:p>
+        </p:txBody>
+      </p:sp>
+      <p:sp>
+        <p:nvSpPr>
+          <p:cNvPr id="12" name="Abrir llave 11">
+            <a:extLst>
+              <a:ext uri="{FF2B5EF4-FFF2-40B4-BE49-F238E27FC236}">
+                <a16:creationId xmlns:a16="http://schemas.microsoft.com/office/drawing/2014/main" id="{3AE2AEE9-CCE8-4E26-8B51-BDAC52A7F842}"/>
+              </a:ext>
+            </a:extLst>
+          </p:cNvPr>
+          <p:cNvSpPr/>
+          <p:nvPr/>
+        </p:nvSpPr>
+        <p:spPr>
+          <a:xfrm rot="16200000">
+            <a:off x="2303998" y="3357968"/>
+            <a:ext cx="265175" cy="1633824"/>
+          </a:xfrm>
+          <a:prstGeom prst="leftBrace">
+            <a:avLst/>
+          </a:prstGeom>
+        </p:spPr>
+        <p:style>
+          <a:lnRef idx="1">
+            <a:schemeClr val="accent1"/>
+          </a:lnRef>
+          <a:fillRef idx="0">
+            <a:schemeClr val="accent1"/>
+          </a:fillRef>
+          <a:effectRef idx="0">
+            <a:schemeClr val="accent1"/>
+          </a:effectRef>
+          <a:fontRef idx="minor">
+            <a:schemeClr val="tx1"/>
+          </a:fontRef>
+        </p:style>
+        <p:txBody>
+          <a:bodyPr rtlCol="0" anchor="ctr"/>
+          <a:lstStyle/>
+          <a:p>
+            <a:pPr algn="ctr"/>
+            <a:endParaRPr lang="es-MX"/>
+          </a:p>
+        </p:txBody>
+      </p:sp>
+      <p:sp>
+        <p:nvSpPr>
+          <p:cNvPr id="13" name="Abrir llave 12">
+            <a:extLst>
+              <a:ext uri="{FF2B5EF4-FFF2-40B4-BE49-F238E27FC236}">
+                <a16:creationId xmlns:a16="http://schemas.microsoft.com/office/drawing/2014/main" id="{054DF6E8-83D2-4A51-BF12-835C25C2E8EB}"/>
+              </a:ext>
+            </a:extLst>
+          </p:cNvPr>
+          <p:cNvSpPr/>
+          <p:nvPr/>
+        </p:nvSpPr>
+        <p:spPr>
+          <a:xfrm rot="16200000">
+            <a:off x="3776247" y="3594856"/>
+            <a:ext cx="223358" cy="1080121"/>
+          </a:xfrm>
+          <a:prstGeom prst="leftBrace">
+            <a:avLst/>
+          </a:prstGeom>
+        </p:spPr>
+        <p:style>
+          <a:lnRef idx="1">
+            <a:schemeClr val="accent1"/>
+          </a:lnRef>
+          <a:fillRef idx="0">
+            <a:schemeClr val="accent1"/>
+          </a:fillRef>
+          <a:effectRef idx="0">
+            <a:schemeClr val="accent1"/>
+          </a:effectRef>
+          <a:fontRef idx="minor">
+            <a:schemeClr val="tx1"/>
+          </a:fontRef>
+        </p:style>
+        <p:txBody>
+          <a:bodyPr rtlCol="0" anchor="ctr"/>
+          <a:lstStyle/>
+          <a:p>
+            <a:pPr algn="ctr"/>
+            <a:endParaRPr lang="es-MX"/>
+          </a:p>
+        </p:txBody>
+      </p:sp>
+      <p:sp>
+        <p:nvSpPr>
+          <p:cNvPr id="14" name="CuadroTexto 13">
+            <a:extLst>
+              <a:ext uri="{FF2B5EF4-FFF2-40B4-BE49-F238E27FC236}">
+                <a16:creationId xmlns:a16="http://schemas.microsoft.com/office/drawing/2014/main" id="{7D138997-C337-460F-B57F-91195C7377E4}"/>
+              </a:ext>
+            </a:extLst>
+          </p:cNvPr>
+          <p:cNvSpPr txBox="1"/>
+          <p:nvPr/>
+        </p:nvSpPr>
+        <p:spPr>
+          <a:xfrm>
+            <a:off x="1741328" y="4321410"/>
+            <a:ext cx="1454888" cy="646331"/>
+          </a:xfrm>
+          <a:prstGeom prst="rect">
+            <a:avLst/>
+          </a:prstGeom>
+          <a:noFill/>
+        </p:spPr>
+        <p:txBody>
+          <a:bodyPr wrap="square">
+            <a:spAutoFit/>
+          </a:bodyPr>
+          <a:lstStyle/>
+          <a:p>
+            <a:pPr algn="ctr"/>
+            <a:r>
+              <a:rPr lang="es-ES" dirty="0">
+                <a:solidFill>
+                  <a:schemeClr val="accent5">
+                    <a:lumMod val="75000"/>
+                  </a:schemeClr>
+                </a:solidFill>
+                <a:latin typeface="-apple-system"/>
+              </a:rPr>
+              <a:t>Función lambda</a:t>
+            </a:r>
+          </a:p>
+        </p:txBody>
+      </p:sp>
+      <p:sp>
+        <p:nvSpPr>
+          <p:cNvPr id="15" name="CuadroTexto 14">
+            <a:extLst>
+              <a:ext uri="{FF2B5EF4-FFF2-40B4-BE49-F238E27FC236}">
+                <a16:creationId xmlns:a16="http://schemas.microsoft.com/office/drawing/2014/main" id="{0989A738-D75C-4714-B596-955068D7660A}"/>
+              </a:ext>
+            </a:extLst>
+          </p:cNvPr>
+          <p:cNvSpPr txBox="1"/>
+          <p:nvPr/>
+        </p:nvSpPr>
+        <p:spPr>
+          <a:xfrm>
+            <a:off x="3059832" y="4321410"/>
+            <a:ext cx="1633825" cy="646331"/>
+          </a:xfrm>
+          <a:prstGeom prst="rect">
+            <a:avLst/>
+          </a:prstGeom>
+          <a:noFill/>
+        </p:spPr>
+        <p:txBody>
+          <a:bodyPr wrap="square">
+            <a:spAutoFit/>
+          </a:bodyPr>
+          <a:lstStyle/>
+          <a:p>
+            <a:pPr algn="ctr"/>
+            <a:r>
+              <a:rPr lang="es-ES" dirty="0">
+                <a:solidFill>
+                  <a:schemeClr val="accent5">
+                    <a:lumMod val="75000"/>
+                  </a:schemeClr>
+                </a:solidFill>
+                <a:latin typeface="-apple-system"/>
+              </a:rPr>
+              <a:t>Objetos iterables</a:t>
+            </a:r>
+          </a:p>
+        </p:txBody>
+      </p:sp>
+      <p:sp>
+        <p:nvSpPr>
+          <p:cNvPr id="16" name="CuadroTexto 15">
+            <a:extLst>
+              <a:ext uri="{FF2B5EF4-FFF2-40B4-BE49-F238E27FC236}">
+                <a16:creationId xmlns:a16="http://schemas.microsoft.com/office/drawing/2014/main" id="{01F96716-3262-40EC-A5A0-36CC3258E544}"/>
+              </a:ext>
+            </a:extLst>
+          </p:cNvPr>
+          <p:cNvSpPr txBox="1"/>
+          <p:nvPr/>
+        </p:nvSpPr>
+        <p:spPr>
+          <a:xfrm>
+            <a:off x="586397" y="1366044"/>
+            <a:ext cx="8098061" cy="646331"/>
+          </a:xfrm>
+          <a:prstGeom prst="rect">
+            <a:avLst/>
+          </a:prstGeom>
+          <a:noFill/>
+        </p:spPr>
+        <p:txBody>
+          <a:bodyPr wrap="square">
+            <a:spAutoFit/>
+          </a:bodyPr>
+          <a:lstStyle/>
+          <a:p>
+            <a:pPr algn="just">
+              <a:spcAft>
+                <a:spcPts val="1200"/>
+              </a:spcAft>
+            </a:pPr>
+            <a:r>
+              <a:rPr lang="es-ES" b="0" i="0" dirty="0">
+                <a:solidFill>
+                  <a:srgbClr val="3E4349"/>
+                </a:solidFill>
+                <a:effectLst/>
+              </a:rPr>
+              <a:t>Además se puede utilizar la función </a:t>
+            </a:r>
+            <a:r>
+              <a:rPr lang="es-ES" b="1" i="0" dirty="0" err="1">
+                <a:solidFill>
+                  <a:srgbClr val="FF0000"/>
+                </a:solidFill>
+                <a:effectLst/>
+              </a:rPr>
+              <a:t>map</a:t>
+            </a:r>
+            <a:r>
+              <a:rPr lang="es-ES" b="0" i="0" dirty="0">
+                <a:solidFill>
+                  <a:srgbClr val="3E4349"/>
+                </a:solidFill>
+                <a:effectLst/>
+              </a:rPr>
+              <a:t> sobre </a:t>
+            </a:r>
+            <a:r>
+              <a:rPr lang="es-ES" b="1" i="0" dirty="0">
+                <a:solidFill>
+                  <a:schemeClr val="accent6">
+                    <a:lumMod val="75000"/>
+                  </a:schemeClr>
+                </a:solidFill>
+                <a:effectLst/>
+              </a:rPr>
+              <a:t>más de un objeto iterable </a:t>
+            </a:r>
+            <a:r>
+              <a:rPr lang="es-ES" b="0" i="0" dirty="0">
+                <a:solidFill>
+                  <a:srgbClr val="3E4349"/>
+                </a:solidFill>
+                <a:effectLst/>
+              </a:rPr>
+              <a:t>con la condición que tengan la misma longitud. </a:t>
+            </a:r>
+            <a:endParaRPr lang="es-ES" b="0" i="0" dirty="0">
+              <a:solidFill>
+                <a:srgbClr val="AAAAAA"/>
+              </a:solidFill>
+              <a:effectLst/>
+              <a:latin typeface="Source Code Pro" panose="020B0509030403020204" pitchFamily="49" charset="0"/>
+            </a:endParaRPr>
+          </a:p>
+        </p:txBody>
+      </p:sp>
+      <p:sp>
+        <p:nvSpPr>
+          <p:cNvPr id="17" name="CuadroTexto 16">
+            <a:extLst>
+              <a:ext uri="{FF2B5EF4-FFF2-40B4-BE49-F238E27FC236}">
+                <a16:creationId xmlns:a16="http://schemas.microsoft.com/office/drawing/2014/main" id="{C6A87DC9-F3DB-49FC-901C-F97A5E960A3A}"/>
+              </a:ext>
+            </a:extLst>
+          </p:cNvPr>
+          <p:cNvSpPr txBox="1"/>
+          <p:nvPr/>
+        </p:nvSpPr>
+        <p:spPr>
+          <a:xfrm>
+            <a:off x="566872" y="2020741"/>
+            <a:ext cx="8117585" cy="1508105"/>
+          </a:xfrm>
+          <a:prstGeom prst="rect">
+            <a:avLst/>
+          </a:prstGeom>
+          <a:noFill/>
+        </p:spPr>
+        <p:txBody>
+          <a:bodyPr wrap="square">
+            <a:spAutoFit/>
+          </a:bodyPr>
+          <a:lstStyle/>
+          <a:p>
+            <a:pPr algn="l">
+              <a:spcAft>
+                <a:spcPts val="1200"/>
+              </a:spcAft>
+            </a:pPr>
+            <a:r>
+              <a:rPr lang="es-ES" b="1" i="0" u="none" strike="noStrike" dirty="0">
+                <a:solidFill>
+                  <a:srgbClr val="111111"/>
+                </a:solidFill>
+                <a:effectLst/>
+                <a:latin typeface="-apple-system"/>
+              </a:rPr>
+              <a:t>Ejemplo</a:t>
+            </a:r>
+          </a:p>
+          <a:p>
+            <a:pPr algn="l">
+              <a:spcAft>
+                <a:spcPts val="1200"/>
+              </a:spcAft>
+            </a:pPr>
+            <a:r>
+              <a:rPr lang="es-ES" b="0" i="0" dirty="0">
+                <a:solidFill>
+                  <a:srgbClr val="333333"/>
+                </a:solidFill>
+                <a:effectLst/>
+              </a:rPr>
+              <a:t>Se nos pide</a:t>
+            </a:r>
+            <a:r>
+              <a:rPr lang="es-ES" b="0" i="0" dirty="0">
+                <a:solidFill>
+                  <a:srgbClr val="3E4349"/>
+                </a:solidFill>
+                <a:effectLst/>
+              </a:rPr>
+              <a:t> elevar </a:t>
+            </a:r>
+            <a:r>
+              <a:rPr lang="es-ES" dirty="0">
+                <a:solidFill>
+                  <a:srgbClr val="3E4349"/>
+                </a:solidFill>
+              </a:rPr>
+              <a:t>los números  de la lista a la potencia de los números de la tupla</a:t>
+            </a:r>
+            <a:r>
+              <a:rPr lang="es-ES" b="0" i="0" dirty="0">
+                <a:solidFill>
+                  <a:srgbClr val="3E4349"/>
+                </a:solidFill>
+                <a:effectLst/>
+              </a:rPr>
+              <a:t>:</a:t>
+            </a:r>
+            <a:endParaRPr lang="es-ES" b="0" i="0" dirty="0">
+              <a:solidFill>
+                <a:srgbClr val="333333"/>
+              </a:solidFill>
+              <a:effectLst/>
+            </a:endParaRPr>
+          </a:p>
+          <a:p>
+            <a:pPr algn="l" rtl="0"/>
+            <a:r>
+              <a:rPr lang="es-ES" b="1" dirty="0">
+                <a:solidFill>
+                  <a:srgbClr val="000000"/>
+                </a:solidFill>
+                <a:latin typeface="inherit"/>
+              </a:rPr>
+              <a:t>lista</a:t>
+            </a:r>
+            <a:r>
+              <a:rPr lang="es-ES" b="0" i="0" dirty="0">
+                <a:solidFill>
+                  <a:srgbClr val="000000"/>
+                </a:solidFill>
+                <a:effectLst/>
+                <a:latin typeface="inherit"/>
+              </a:rPr>
+              <a:t> = </a:t>
+            </a:r>
+            <a:r>
+              <a:rPr lang="es-ES" b="0" i="0" dirty="0">
+                <a:solidFill>
+                  <a:srgbClr val="444444"/>
+                </a:solidFill>
+                <a:effectLst/>
+                <a:latin typeface="inherit"/>
+              </a:rPr>
+              <a:t>[</a:t>
+            </a:r>
+            <a:r>
+              <a:rPr lang="es-ES" b="0" i="0" dirty="0">
+                <a:solidFill>
+                  <a:srgbClr val="D53AA9"/>
+                </a:solidFill>
+                <a:effectLst/>
+                <a:latin typeface="inherit"/>
+              </a:rPr>
+              <a:t>1</a:t>
+            </a:r>
+            <a:r>
+              <a:rPr lang="es-ES" b="0" i="0" dirty="0">
+                <a:solidFill>
+                  <a:srgbClr val="000000"/>
+                </a:solidFill>
+                <a:effectLst/>
+                <a:latin typeface="inherit"/>
+              </a:rPr>
+              <a:t>, </a:t>
+            </a:r>
+            <a:r>
+              <a:rPr lang="es-ES" b="0" i="0" dirty="0">
+                <a:solidFill>
+                  <a:srgbClr val="D53AA9"/>
+                </a:solidFill>
+                <a:effectLst/>
+                <a:latin typeface="inherit"/>
+              </a:rPr>
+              <a:t>2</a:t>
+            </a:r>
+            <a:r>
+              <a:rPr lang="es-ES" b="0" i="0" dirty="0">
+                <a:solidFill>
+                  <a:srgbClr val="000000"/>
+                </a:solidFill>
+                <a:effectLst/>
+                <a:latin typeface="inherit"/>
+              </a:rPr>
+              <a:t>, </a:t>
+            </a:r>
+            <a:r>
+              <a:rPr lang="es-ES" b="0" i="0" dirty="0">
+                <a:solidFill>
+                  <a:srgbClr val="D53AA9"/>
+                </a:solidFill>
+                <a:effectLst/>
+                <a:latin typeface="inherit"/>
+              </a:rPr>
+              <a:t>3</a:t>
+            </a:r>
+            <a:r>
+              <a:rPr lang="es-ES" b="0" i="0" dirty="0">
+                <a:solidFill>
+                  <a:srgbClr val="000000"/>
+                </a:solidFill>
+                <a:effectLst/>
+                <a:latin typeface="inherit"/>
+              </a:rPr>
+              <a:t>, </a:t>
+            </a:r>
+            <a:r>
+              <a:rPr lang="es-ES" b="0" i="0" dirty="0">
+                <a:solidFill>
+                  <a:srgbClr val="D53AA9"/>
+                </a:solidFill>
+                <a:effectLst/>
+                <a:latin typeface="inherit"/>
+              </a:rPr>
+              <a:t>4</a:t>
+            </a:r>
+            <a:r>
+              <a:rPr lang="es-ES" b="0" i="0" dirty="0">
+                <a:solidFill>
+                  <a:srgbClr val="000000"/>
+                </a:solidFill>
+                <a:effectLst/>
+                <a:latin typeface="inherit"/>
+              </a:rPr>
+              <a:t>, </a:t>
+            </a:r>
+            <a:r>
+              <a:rPr lang="es-ES" b="0" i="0" dirty="0">
+                <a:solidFill>
+                  <a:srgbClr val="D53AA9"/>
+                </a:solidFill>
+                <a:effectLst/>
+                <a:latin typeface="inherit"/>
+              </a:rPr>
+              <a:t>5</a:t>
+            </a:r>
+            <a:r>
+              <a:rPr lang="es-ES" b="0" i="0" dirty="0">
+                <a:solidFill>
+                  <a:srgbClr val="444444"/>
+                </a:solidFill>
+                <a:effectLst/>
+                <a:latin typeface="inherit"/>
+              </a:rPr>
+              <a:t>]</a:t>
+            </a:r>
+            <a:endParaRPr lang="es-ES" b="0" i="0" dirty="0">
+              <a:solidFill>
+                <a:srgbClr val="AAAAAA"/>
+              </a:solidFill>
+              <a:effectLst/>
+              <a:latin typeface="Source Code Pro" panose="020B0509030403020204" pitchFamily="49" charset="0"/>
+            </a:endParaRPr>
+          </a:p>
+          <a:p>
+            <a:r>
+              <a:rPr lang="es-ES" b="1" dirty="0">
+                <a:solidFill>
+                  <a:srgbClr val="000000"/>
+                </a:solidFill>
+                <a:latin typeface="inherit"/>
+              </a:rPr>
+              <a:t>tupla</a:t>
+            </a:r>
+            <a:r>
+              <a:rPr lang="es-ES" b="0" i="0" dirty="0">
+                <a:solidFill>
+                  <a:srgbClr val="000000"/>
+                </a:solidFill>
+                <a:effectLst/>
+                <a:latin typeface="inherit"/>
+              </a:rPr>
+              <a:t> = (1, 2, 3, 4, 5)</a:t>
+            </a:r>
+            <a:endParaRPr lang="es-ES" b="0" i="0" dirty="0">
+              <a:solidFill>
+                <a:srgbClr val="AAAAAA"/>
+              </a:solidFill>
+              <a:effectLst/>
+              <a:latin typeface="Source Code Pro" panose="020B0509030403020204" pitchFamily="49" charset="0"/>
+            </a:endParaRPr>
+          </a:p>
+        </p:txBody>
+      </p:sp>
+      <p:pic>
+        <p:nvPicPr>
+          <p:cNvPr id="5" name="Imagen 4">
+            <a:extLst>
+              <a:ext uri="{FF2B5EF4-FFF2-40B4-BE49-F238E27FC236}">
+                <a16:creationId xmlns:a16="http://schemas.microsoft.com/office/drawing/2014/main" id="{67BDF8E8-7AC7-4D80-B889-BD448B9F90C5}"/>
+              </a:ext>
+            </a:extLst>
+          </p:cNvPr>
+          <p:cNvPicPr>
+            <a:picLocks noChangeAspect="1"/>
+          </p:cNvPicPr>
+          <p:nvPr/>
+        </p:nvPicPr>
+        <p:blipFill>
+          <a:blip r:embed="rId3"/>
+          <a:stretch>
+            <a:fillRect/>
+          </a:stretch>
+        </p:blipFill>
+        <p:spPr>
+          <a:xfrm>
+            <a:off x="5220072" y="3441651"/>
+            <a:ext cx="3823998" cy="2511719"/>
+          </a:xfrm>
+          <a:prstGeom prst="rect">
+            <a:avLst/>
+          </a:prstGeom>
+        </p:spPr>
+      </p:pic>
+    </p:spTree>
+    <p:extLst>
+      <p:ext uri="{BB962C8B-B14F-4D97-AF65-F5344CB8AC3E}">
+        <p14:creationId xmlns:p14="http://schemas.microsoft.com/office/powerpoint/2010/main" val="1517084051"/>
+      </p:ext>
+    </p:extLst>
+  </p:cSld>
+  <p:clrMapOvr>
+    <a:masterClrMapping/>
+  </p:clrMapOvr>
+</p:sld>
+</file>
+
+<file path=ppt/slides/slide11.xml><?xml version="1.0" encoding="utf-8"?>
+<p:sld xmlns:a="http://schemas.openxmlformats.org/drawingml/2006/main" xmlns:r="http://schemas.openxmlformats.org/officeDocument/2006/relationships" xmlns:p="http://schemas.openxmlformats.org/presentationml/2006/main">
+  <p:cSld>
+    <p:spTree>
+      <p:nvGrpSpPr>
+        <p:cNvPr id="1" name=""/>
+        <p:cNvGrpSpPr/>
+        <p:nvPr/>
+      </p:nvGrpSpPr>
+      <p:grpSpPr>
+        <a:xfrm>
+          <a:off x="0" y="0"/>
+          <a:ext cx="0" cy="0"/>
+          <a:chOff x="0" y="0"/>
+          <a:chExt cx="0" cy="0"/>
+        </a:xfrm>
+      </p:grpSpPr>
+      <p:sp>
+        <p:nvSpPr>
+          <p:cNvPr id="184324" name="Rectangle 4"/>
+          <p:cNvSpPr>
+            <a:spLocks noGrp="1" noChangeArrowheads="1"/>
+          </p:cNvSpPr>
+          <p:nvPr>
+            <p:ph type="title"/>
+          </p:nvPr>
+        </p:nvSpPr>
+        <p:spPr>
+          <a:xfrm>
+            <a:off x="470845" y="23183"/>
+            <a:ext cx="8229600" cy="885537"/>
+          </a:xfrm>
+        </p:spPr>
+        <p:txBody>
+          <a:bodyPr>
+            <a:normAutofit/>
+          </a:bodyPr>
+          <a:lstStyle/>
+          <a:p>
+            <a:pPr eaLnBrk="1" hangingPunct="1">
+              <a:defRPr/>
+            </a:pPr>
+            <a:r>
+              <a:rPr lang="es-MX" sz="3600" b="1" dirty="0">
+                <a:solidFill>
+                  <a:schemeClr val="accent4">
+                    <a:lumMod val="50000"/>
+                  </a:schemeClr>
+                </a:solidFill>
+                <a:effectLst>
+                  <a:outerShdw blurRad="38100" dist="38100" dir="2700000" algn="tl">
+                    <a:srgbClr val="C0C0C0"/>
+                  </a:outerShdw>
+                </a:effectLst>
+                <a:latin typeface="Dom Casual" charset="0"/>
+              </a:rPr>
+              <a:t>Función </a:t>
+            </a:r>
+            <a:r>
+              <a:rPr lang="es-MX" sz="3600" b="1" dirty="0" err="1">
+                <a:solidFill>
+                  <a:schemeClr val="accent4">
+                    <a:lumMod val="50000"/>
+                  </a:schemeClr>
+                </a:solidFill>
+                <a:effectLst>
+                  <a:outerShdw blurRad="38100" dist="38100" dir="2700000" algn="tl">
+                    <a:srgbClr val="C0C0C0"/>
+                  </a:outerShdw>
+                </a:effectLst>
+                <a:latin typeface="Dom Casual" charset="0"/>
+              </a:rPr>
+              <a:t>map</a:t>
+            </a:r>
+            <a:endParaRPr lang="es-MX" sz="3600" b="1" dirty="0">
+              <a:solidFill>
+                <a:schemeClr val="accent4">
+                  <a:lumMod val="50000"/>
+                </a:schemeClr>
+              </a:solidFill>
+              <a:effectLst>
+                <a:outerShdw blurRad="38100" dist="38100" dir="2700000" algn="tl">
+                  <a:srgbClr val="C0C0C0"/>
+                </a:outerShdw>
+              </a:effectLst>
+              <a:latin typeface="Dom Casual" charset="0"/>
+            </a:endParaRPr>
+          </a:p>
+        </p:txBody>
+      </p:sp>
+      <p:sp>
+        <p:nvSpPr>
+          <p:cNvPr id="8" name="CuadroTexto 7">
+            <a:extLst>
+              <a:ext uri="{FF2B5EF4-FFF2-40B4-BE49-F238E27FC236}">
+                <a16:creationId xmlns:a16="http://schemas.microsoft.com/office/drawing/2014/main" id="{44BAF2EA-92D2-4C06-913F-695F25D25C19}"/>
+              </a:ext>
+            </a:extLst>
+          </p:cNvPr>
+          <p:cNvSpPr txBox="1"/>
+          <p:nvPr/>
+        </p:nvSpPr>
+        <p:spPr>
+          <a:xfrm>
+            <a:off x="3253496" y="692696"/>
+            <a:ext cx="2664297" cy="369332"/>
+          </a:xfrm>
+          <a:prstGeom prst="rect">
+            <a:avLst/>
+          </a:prstGeom>
+          <a:noFill/>
+        </p:spPr>
+        <p:txBody>
+          <a:bodyPr wrap="square">
+            <a:spAutoFit/>
+          </a:bodyPr>
+          <a:lstStyle/>
+          <a:p>
+            <a:pPr algn="ctr"/>
+            <a:r>
+              <a:rPr lang="es-ES" b="1" dirty="0" err="1">
+                <a:solidFill>
+                  <a:schemeClr val="accent6">
+                    <a:lumMod val="75000"/>
+                  </a:schemeClr>
+                </a:solidFill>
+                <a:latin typeface="-apple-system"/>
+              </a:rPr>
+              <a:t>m</a:t>
+            </a:r>
+            <a:r>
+              <a:rPr lang="es-ES" b="1" i="0" dirty="0" err="1">
+                <a:solidFill>
+                  <a:schemeClr val="accent6">
+                    <a:lumMod val="75000"/>
+                  </a:schemeClr>
+                </a:solidFill>
+                <a:effectLst/>
+                <a:latin typeface="-apple-system"/>
+              </a:rPr>
+              <a:t>ap</a:t>
+            </a:r>
+            <a:r>
+              <a:rPr lang="es-ES" b="1" i="0" dirty="0">
+                <a:solidFill>
+                  <a:schemeClr val="accent6">
+                    <a:lumMod val="75000"/>
+                  </a:schemeClr>
+                </a:solidFill>
+                <a:effectLst/>
+                <a:latin typeface="-apple-system"/>
+              </a:rPr>
+              <a:t> (</a:t>
+            </a:r>
+            <a:r>
+              <a:rPr lang="es-ES" b="1" i="0" dirty="0" err="1">
+                <a:solidFill>
+                  <a:schemeClr val="accent6">
+                    <a:lumMod val="75000"/>
+                  </a:schemeClr>
+                </a:solidFill>
+                <a:effectLst/>
+                <a:latin typeface="-apple-system"/>
+              </a:rPr>
+              <a:t>function</a:t>
+            </a:r>
+            <a:r>
+              <a:rPr lang="es-ES" b="1" i="0" dirty="0">
+                <a:solidFill>
+                  <a:schemeClr val="accent6">
+                    <a:lumMod val="75000"/>
+                  </a:schemeClr>
+                </a:solidFill>
+                <a:effectLst/>
+                <a:latin typeface="-apple-system"/>
+              </a:rPr>
+              <a:t>, iterables)</a:t>
+            </a:r>
+            <a:endParaRPr lang="es-ES" sz="1600" b="0" i="0" dirty="0">
+              <a:solidFill>
+                <a:schemeClr val="accent6">
+                  <a:lumMod val="75000"/>
+                </a:schemeClr>
+              </a:solidFill>
+              <a:effectLst/>
+            </a:endParaRPr>
+          </a:p>
+        </p:txBody>
+      </p:sp>
+      <p:sp>
+        <p:nvSpPr>
+          <p:cNvPr id="7" name="CuadroTexto 6">
+            <a:extLst>
+              <a:ext uri="{FF2B5EF4-FFF2-40B4-BE49-F238E27FC236}">
+                <a16:creationId xmlns:a16="http://schemas.microsoft.com/office/drawing/2014/main" id="{CD329BAA-6040-42E8-A28F-4731E85EABD0}"/>
+              </a:ext>
+            </a:extLst>
+          </p:cNvPr>
+          <p:cNvSpPr txBox="1"/>
+          <p:nvPr/>
+        </p:nvSpPr>
+        <p:spPr>
+          <a:xfrm>
             <a:off x="114141" y="5630170"/>
             <a:ext cx="4385852" cy="584775"/>
           </a:xfrm>
@@ -5914,7 +6924,7 @@
 </p:sld>
 </file>
 
-<file path=ppt/slides/slide11.xml><?xml version="1.0" encoding="utf-8"?>
+<file path=ppt/slides/slide12.xml><?xml version="1.0" encoding="utf-8"?>
 <p:sld xmlns:a="http://schemas.openxmlformats.org/drawingml/2006/main" xmlns:r="http://schemas.openxmlformats.org/officeDocument/2006/relationships" xmlns:p="http://schemas.openxmlformats.org/presentationml/2006/main">
   <p:cSld>
     <p:spTree>
@@ -6712,1182 +7722,6 @@
 </p:sld>
 </file>
 
-<file path=ppt/slides/slide12.xml><?xml version="1.0" encoding="utf-8"?>
-<p:sld xmlns:a="http://schemas.openxmlformats.org/drawingml/2006/main" xmlns:r="http://schemas.openxmlformats.org/officeDocument/2006/relationships" xmlns:p="http://schemas.openxmlformats.org/presentationml/2006/main">
-  <p:cSld>
-    <p:spTree>
-      <p:nvGrpSpPr>
-        <p:cNvPr id="1" name=""/>
-        <p:cNvGrpSpPr/>
-        <p:nvPr/>
-      </p:nvGrpSpPr>
-      <p:grpSpPr>
-        <a:xfrm>
-          <a:off x="0" y="0"/>
-          <a:ext cx="0" cy="0"/>
-          <a:chOff x="0" y="0"/>
-          <a:chExt cx="0" cy="0"/>
-        </a:xfrm>
-      </p:grpSpPr>
-      <p:sp>
-        <p:nvSpPr>
-          <p:cNvPr id="184324" name="Rectangle 4"/>
-          <p:cNvSpPr>
-            <a:spLocks noGrp="1" noChangeArrowheads="1"/>
-          </p:cNvSpPr>
-          <p:nvPr>
-            <p:ph type="title"/>
-          </p:nvPr>
-        </p:nvSpPr>
-        <p:spPr>
-          <a:xfrm>
-            <a:off x="470845" y="23183"/>
-            <a:ext cx="8229600" cy="885537"/>
-          </a:xfrm>
-        </p:spPr>
-        <p:txBody>
-          <a:bodyPr>
-            <a:normAutofit/>
-          </a:bodyPr>
-          <a:lstStyle/>
-          <a:p>
-            <a:pPr eaLnBrk="1" hangingPunct="1">
-              <a:defRPr/>
-            </a:pPr>
-            <a:r>
-              <a:rPr lang="es-MX" sz="3600" b="1" dirty="0">
-                <a:solidFill>
-                  <a:schemeClr val="accent4">
-                    <a:lumMod val="50000"/>
-                  </a:schemeClr>
-                </a:solidFill>
-                <a:effectLst>
-                  <a:outerShdw blurRad="38100" dist="38100" dir="2700000" algn="tl">
-                    <a:srgbClr val="C0C0C0"/>
-                  </a:outerShdw>
-                </a:effectLst>
-                <a:latin typeface="Dom Casual" charset="0"/>
-              </a:rPr>
-              <a:t>Función </a:t>
-            </a:r>
-            <a:r>
-              <a:rPr lang="es-MX" sz="3600" b="1" dirty="0" err="1">
-                <a:solidFill>
-                  <a:schemeClr val="accent4">
-                    <a:lumMod val="50000"/>
-                  </a:schemeClr>
-                </a:solidFill>
-                <a:effectLst>
-                  <a:outerShdw blurRad="38100" dist="38100" dir="2700000" algn="tl">
-                    <a:srgbClr val="C0C0C0"/>
-                  </a:outerShdw>
-                </a:effectLst>
-                <a:latin typeface="Dom Casual" charset="0"/>
-              </a:rPr>
-              <a:t>map</a:t>
-            </a:r>
-            <a:endParaRPr lang="es-MX" sz="3600" b="1" dirty="0">
-              <a:solidFill>
-                <a:schemeClr val="accent4">
-                  <a:lumMod val="50000"/>
-                </a:schemeClr>
-              </a:solidFill>
-              <a:effectLst>
-                <a:outerShdw blurRad="38100" dist="38100" dir="2700000" algn="tl">
-                  <a:srgbClr val="C0C0C0"/>
-                </a:outerShdw>
-              </a:effectLst>
-              <a:latin typeface="Dom Casual" charset="0"/>
-            </a:endParaRPr>
-          </a:p>
-        </p:txBody>
-      </p:sp>
-      <p:sp>
-        <p:nvSpPr>
-          <p:cNvPr id="8" name="CuadroTexto 7">
-            <a:extLst>
-              <a:ext uri="{FF2B5EF4-FFF2-40B4-BE49-F238E27FC236}">
-                <a16:creationId xmlns:a16="http://schemas.microsoft.com/office/drawing/2014/main" id="{44BAF2EA-92D2-4C06-913F-695F25D25C19}"/>
-              </a:ext>
-            </a:extLst>
-          </p:cNvPr>
-          <p:cNvSpPr txBox="1"/>
-          <p:nvPr/>
-        </p:nvSpPr>
-        <p:spPr>
-          <a:xfrm>
-            <a:off x="3253496" y="692696"/>
-            <a:ext cx="2664297" cy="369332"/>
-          </a:xfrm>
-          <a:prstGeom prst="rect">
-            <a:avLst/>
-          </a:prstGeom>
-          <a:noFill/>
-        </p:spPr>
-        <p:txBody>
-          <a:bodyPr wrap="square">
-            <a:spAutoFit/>
-          </a:bodyPr>
-          <a:lstStyle/>
-          <a:p>
-            <a:pPr algn="ctr"/>
-            <a:r>
-              <a:rPr lang="es-ES" b="1" dirty="0" err="1">
-                <a:solidFill>
-                  <a:schemeClr val="accent6">
-                    <a:lumMod val="75000"/>
-                  </a:schemeClr>
-                </a:solidFill>
-                <a:latin typeface="-apple-system"/>
-              </a:rPr>
-              <a:t>m</a:t>
-            </a:r>
-            <a:r>
-              <a:rPr lang="es-ES" b="1" i="0" dirty="0" err="1">
-                <a:solidFill>
-                  <a:schemeClr val="accent6">
-                    <a:lumMod val="75000"/>
-                  </a:schemeClr>
-                </a:solidFill>
-                <a:effectLst/>
-                <a:latin typeface="-apple-system"/>
-              </a:rPr>
-              <a:t>ap</a:t>
-            </a:r>
-            <a:r>
-              <a:rPr lang="es-ES" b="1" i="0" dirty="0">
-                <a:solidFill>
-                  <a:schemeClr val="accent6">
-                    <a:lumMod val="75000"/>
-                  </a:schemeClr>
-                </a:solidFill>
-                <a:effectLst/>
-                <a:latin typeface="-apple-system"/>
-              </a:rPr>
-              <a:t> (</a:t>
-            </a:r>
-            <a:r>
-              <a:rPr lang="es-ES" b="1" i="0" dirty="0" err="1">
-                <a:solidFill>
-                  <a:schemeClr val="accent6">
-                    <a:lumMod val="75000"/>
-                  </a:schemeClr>
-                </a:solidFill>
-                <a:effectLst/>
-                <a:latin typeface="-apple-system"/>
-              </a:rPr>
-              <a:t>function</a:t>
-            </a:r>
-            <a:r>
-              <a:rPr lang="es-ES" b="1" i="0" dirty="0">
-                <a:solidFill>
-                  <a:schemeClr val="accent6">
-                    <a:lumMod val="75000"/>
-                  </a:schemeClr>
-                </a:solidFill>
-                <a:effectLst/>
-                <a:latin typeface="-apple-system"/>
-              </a:rPr>
-              <a:t>, iterables)</a:t>
-            </a:r>
-            <a:endParaRPr lang="es-ES" sz="1600" b="0" i="0" dirty="0">
-              <a:solidFill>
-                <a:schemeClr val="accent6">
-                  <a:lumMod val="75000"/>
-                </a:schemeClr>
-              </a:solidFill>
-              <a:effectLst/>
-            </a:endParaRPr>
-          </a:p>
-        </p:txBody>
-      </p:sp>
-      <p:sp>
-        <p:nvSpPr>
-          <p:cNvPr id="7" name="CuadroTexto 6">
-            <a:extLst>
-              <a:ext uri="{FF2B5EF4-FFF2-40B4-BE49-F238E27FC236}">
-                <a16:creationId xmlns:a16="http://schemas.microsoft.com/office/drawing/2014/main" id="{CD329BAA-6040-42E8-A28F-4731E85EABD0}"/>
-              </a:ext>
-            </a:extLst>
-          </p:cNvPr>
-          <p:cNvSpPr txBox="1"/>
-          <p:nvPr/>
-        </p:nvSpPr>
-        <p:spPr>
-          <a:xfrm>
-            <a:off x="724267" y="5183765"/>
-            <a:ext cx="3703717" cy="646331"/>
-          </a:xfrm>
-          <a:prstGeom prst="rect">
-            <a:avLst/>
-          </a:prstGeom>
-          <a:noFill/>
-        </p:spPr>
-        <p:txBody>
-          <a:bodyPr wrap="square">
-            <a:spAutoFit/>
-          </a:bodyPr>
-          <a:lstStyle/>
-          <a:p>
-            <a:pPr algn="l" rtl="0"/>
-            <a:r>
-              <a:rPr lang="es-ES" b="0" i="0" dirty="0">
-                <a:solidFill>
-                  <a:srgbClr val="000000"/>
-                </a:solidFill>
-                <a:effectLst/>
-                <a:latin typeface="inherit"/>
-              </a:rPr>
-              <a:t>c = </a:t>
-            </a:r>
-            <a:r>
-              <a:rPr lang="es-ES" b="0" i="0" dirty="0" err="1">
-                <a:solidFill>
-                  <a:srgbClr val="404247"/>
-                </a:solidFill>
-                <a:effectLst/>
-                <a:latin typeface="inherit"/>
-              </a:rPr>
-              <a:t>list</a:t>
-            </a:r>
-            <a:r>
-              <a:rPr lang="es-ES" b="0" i="0" dirty="0">
-                <a:solidFill>
-                  <a:srgbClr val="444444"/>
-                </a:solidFill>
-                <a:effectLst/>
-                <a:latin typeface="inherit"/>
-              </a:rPr>
-              <a:t>( </a:t>
-            </a:r>
-            <a:r>
-              <a:rPr lang="es-ES" b="0" i="0" dirty="0" err="1">
-                <a:solidFill>
-                  <a:srgbClr val="404247"/>
-                </a:solidFill>
-                <a:effectLst/>
-                <a:latin typeface="inherit"/>
-              </a:rPr>
-              <a:t>map</a:t>
-            </a:r>
-            <a:r>
-              <a:rPr lang="es-ES" b="0" i="0" dirty="0">
-                <a:solidFill>
-                  <a:srgbClr val="444444"/>
-                </a:solidFill>
-                <a:effectLst/>
-                <a:latin typeface="inherit"/>
-              </a:rPr>
-              <a:t>(</a:t>
-            </a:r>
-            <a:r>
-              <a:rPr lang="es-ES" b="1" i="0" dirty="0">
-                <a:solidFill>
-                  <a:srgbClr val="066DA1"/>
-                </a:solidFill>
-                <a:effectLst/>
-                <a:latin typeface="inherit"/>
-              </a:rPr>
-              <a:t>lambda</a:t>
-            </a:r>
-            <a:r>
-              <a:rPr lang="es-ES" b="0" i="0" dirty="0">
-                <a:solidFill>
-                  <a:srgbClr val="000000"/>
-                </a:solidFill>
-                <a:effectLst/>
-                <a:latin typeface="inherit"/>
-              </a:rPr>
-              <a:t> x, y: x*y, </a:t>
-            </a:r>
-            <a:r>
-              <a:rPr lang="es-ES" b="1" i="0" dirty="0">
-                <a:solidFill>
-                  <a:srgbClr val="000000"/>
-                </a:solidFill>
-                <a:effectLst/>
-                <a:latin typeface="inherit"/>
-              </a:rPr>
-              <a:t>a, b</a:t>
-            </a:r>
-            <a:r>
-              <a:rPr lang="es-ES" b="0" i="0" dirty="0">
-                <a:solidFill>
-                  <a:srgbClr val="444444"/>
-                </a:solidFill>
-                <a:effectLst/>
-                <a:latin typeface="inherit"/>
-              </a:rPr>
-              <a:t>))</a:t>
-            </a:r>
-            <a:endParaRPr lang="es-ES" b="0" i="0" dirty="0">
-              <a:solidFill>
-                <a:srgbClr val="AAAAAA"/>
-              </a:solidFill>
-              <a:effectLst/>
-              <a:latin typeface="Source Code Pro" panose="020B0509030403020204" pitchFamily="49" charset="0"/>
-            </a:endParaRPr>
-          </a:p>
-          <a:p>
-            <a:pPr algn="l" rtl="0"/>
-            <a:r>
-              <a:rPr lang="es-ES" b="0" i="0" dirty="0" err="1">
-                <a:solidFill>
-                  <a:srgbClr val="404247"/>
-                </a:solidFill>
-                <a:effectLst/>
-                <a:latin typeface="inherit"/>
-              </a:rPr>
-              <a:t>print</a:t>
-            </a:r>
-            <a:r>
-              <a:rPr lang="es-ES" b="0" i="0" dirty="0">
-                <a:solidFill>
-                  <a:srgbClr val="444444"/>
-                </a:solidFill>
-                <a:effectLst/>
-                <a:latin typeface="inherit"/>
-              </a:rPr>
-              <a:t>(</a:t>
-            </a:r>
-            <a:r>
-              <a:rPr lang="es-ES" b="0" i="0" dirty="0">
-                <a:solidFill>
-                  <a:srgbClr val="000000"/>
-                </a:solidFill>
-                <a:effectLst/>
-                <a:latin typeface="inherit"/>
-              </a:rPr>
-              <a:t>c</a:t>
-            </a:r>
-            <a:r>
-              <a:rPr lang="es-ES" b="0" i="0" dirty="0">
-                <a:solidFill>
-                  <a:srgbClr val="444444"/>
-                </a:solidFill>
-                <a:effectLst/>
-                <a:latin typeface="inherit"/>
-              </a:rPr>
-              <a:t>)</a:t>
-            </a:r>
-            <a:endParaRPr lang="es-ES" b="0" i="0" dirty="0">
-              <a:solidFill>
-                <a:srgbClr val="AAAAAA"/>
-              </a:solidFill>
-              <a:effectLst/>
-              <a:latin typeface="Source Code Pro" panose="020B0509030403020204" pitchFamily="49" charset="0"/>
-            </a:endParaRPr>
-          </a:p>
-        </p:txBody>
-      </p:sp>
-      <p:pic>
-        <p:nvPicPr>
-          <p:cNvPr id="4" name="Imagen 3">
-            <a:extLst>
-              <a:ext uri="{FF2B5EF4-FFF2-40B4-BE49-F238E27FC236}">
-                <a16:creationId xmlns:a16="http://schemas.microsoft.com/office/drawing/2014/main" id="{89DD4558-092D-4F51-ABC6-5F9957054FCF}"/>
-              </a:ext>
-            </a:extLst>
-          </p:cNvPr>
-          <p:cNvPicPr>
-            <a:picLocks noChangeAspect="1"/>
-          </p:cNvPicPr>
-          <p:nvPr/>
-        </p:nvPicPr>
-        <p:blipFill>
-          <a:blip r:embed="rId3"/>
-          <a:stretch>
-            <a:fillRect/>
-          </a:stretch>
-        </p:blipFill>
-        <p:spPr>
-          <a:xfrm>
-            <a:off x="7319827" y="2032705"/>
-            <a:ext cx="1257300" cy="1590675"/>
-          </a:xfrm>
-          <a:prstGeom prst="rect">
-            <a:avLst/>
-          </a:prstGeom>
-        </p:spPr>
-      </p:pic>
-      <p:sp>
-        <p:nvSpPr>
-          <p:cNvPr id="11" name="CuadroTexto 10">
-            <a:extLst>
-              <a:ext uri="{FF2B5EF4-FFF2-40B4-BE49-F238E27FC236}">
-                <a16:creationId xmlns:a16="http://schemas.microsoft.com/office/drawing/2014/main" id="{F14534C0-A07A-4900-AC94-DB6BF3DF9C1D}"/>
-              </a:ext>
-            </a:extLst>
-          </p:cNvPr>
-          <p:cNvSpPr txBox="1"/>
-          <p:nvPr/>
-        </p:nvSpPr>
-        <p:spPr>
-          <a:xfrm>
-            <a:off x="1043608" y="3703055"/>
-            <a:ext cx="2952328" cy="369332"/>
-          </a:xfrm>
-          <a:prstGeom prst="rect">
-            <a:avLst/>
-          </a:prstGeom>
-          <a:noFill/>
-        </p:spPr>
-        <p:txBody>
-          <a:bodyPr wrap="square">
-            <a:spAutoFit/>
-          </a:bodyPr>
-          <a:lstStyle/>
-          <a:p>
-            <a:pPr algn="l" rtl="0"/>
-            <a:r>
-              <a:rPr lang="es-ES" b="1" i="0" dirty="0" err="1">
-                <a:solidFill>
-                  <a:schemeClr val="accent6">
-                    <a:lumMod val="75000"/>
-                  </a:schemeClr>
-                </a:solidFill>
-                <a:effectLst/>
-                <a:latin typeface="inherit"/>
-              </a:rPr>
-              <a:t>map</a:t>
-            </a:r>
-            <a:r>
-              <a:rPr lang="es-ES" b="0" i="0" dirty="0">
-                <a:solidFill>
-                  <a:srgbClr val="444444"/>
-                </a:solidFill>
-                <a:effectLst/>
-                <a:latin typeface="inherit"/>
-              </a:rPr>
-              <a:t>(</a:t>
-            </a:r>
-            <a:r>
-              <a:rPr lang="es-ES" b="1" i="0" dirty="0">
-                <a:solidFill>
-                  <a:srgbClr val="066DA1"/>
-                </a:solidFill>
-                <a:effectLst/>
-                <a:latin typeface="inherit"/>
-              </a:rPr>
-              <a:t>lambda</a:t>
-            </a:r>
-            <a:r>
-              <a:rPr lang="es-ES" b="0" i="0" dirty="0">
-                <a:solidFill>
-                  <a:srgbClr val="000000"/>
-                </a:solidFill>
-                <a:effectLst/>
-                <a:latin typeface="inherit"/>
-              </a:rPr>
-              <a:t> x, y: x*y,  </a:t>
-            </a:r>
-            <a:r>
-              <a:rPr lang="es-ES" b="1" i="0" dirty="0">
-                <a:solidFill>
-                  <a:srgbClr val="00B050"/>
-                </a:solidFill>
-                <a:effectLst/>
-                <a:latin typeface="inherit"/>
-              </a:rPr>
-              <a:t>a, b</a:t>
-            </a:r>
-            <a:r>
-              <a:rPr lang="es-ES" b="0" i="0" dirty="0">
-                <a:solidFill>
-                  <a:srgbClr val="444444"/>
-                </a:solidFill>
-                <a:effectLst/>
-                <a:latin typeface="inherit"/>
-              </a:rPr>
-              <a:t>)</a:t>
-            </a:r>
-          </a:p>
-        </p:txBody>
-      </p:sp>
-      <p:sp>
-        <p:nvSpPr>
-          <p:cNvPr id="12" name="Abrir llave 11">
-            <a:extLst>
-              <a:ext uri="{FF2B5EF4-FFF2-40B4-BE49-F238E27FC236}">
-                <a16:creationId xmlns:a16="http://schemas.microsoft.com/office/drawing/2014/main" id="{3AE2AEE9-CCE8-4E26-8B51-BDAC52A7F842}"/>
-              </a:ext>
-            </a:extLst>
-          </p:cNvPr>
-          <p:cNvSpPr/>
-          <p:nvPr/>
-        </p:nvSpPr>
-        <p:spPr>
-          <a:xfrm rot="16200000">
-            <a:off x="2248409" y="3413557"/>
-            <a:ext cx="246118" cy="1503589"/>
-          </a:xfrm>
-          <a:prstGeom prst="leftBrace">
-            <a:avLst/>
-          </a:prstGeom>
-        </p:spPr>
-        <p:style>
-          <a:lnRef idx="1">
-            <a:schemeClr val="accent1"/>
-          </a:lnRef>
-          <a:fillRef idx="0">
-            <a:schemeClr val="accent1"/>
-          </a:fillRef>
-          <a:effectRef idx="0">
-            <a:schemeClr val="accent1"/>
-          </a:effectRef>
-          <a:fontRef idx="minor">
-            <a:schemeClr val="tx1"/>
-          </a:fontRef>
-        </p:style>
-        <p:txBody>
-          <a:bodyPr rtlCol="0" anchor="ctr"/>
-          <a:lstStyle/>
-          <a:p>
-            <a:pPr algn="ctr"/>
-            <a:endParaRPr lang="es-MX"/>
-          </a:p>
-        </p:txBody>
-      </p:sp>
-      <p:sp>
-        <p:nvSpPr>
-          <p:cNvPr id="13" name="Abrir llave 12">
-            <a:extLst>
-              <a:ext uri="{FF2B5EF4-FFF2-40B4-BE49-F238E27FC236}">
-                <a16:creationId xmlns:a16="http://schemas.microsoft.com/office/drawing/2014/main" id="{054DF6E8-83D2-4A51-BF12-835C25C2E8EB}"/>
-              </a:ext>
-            </a:extLst>
-          </p:cNvPr>
-          <p:cNvSpPr/>
-          <p:nvPr/>
-        </p:nvSpPr>
-        <p:spPr>
-          <a:xfrm rot="16200000">
-            <a:off x="3330654" y="3896432"/>
-            <a:ext cx="265173" cy="518784"/>
-          </a:xfrm>
-          <a:prstGeom prst="leftBrace">
-            <a:avLst/>
-          </a:prstGeom>
-        </p:spPr>
-        <p:style>
-          <a:lnRef idx="1">
-            <a:schemeClr val="accent1"/>
-          </a:lnRef>
-          <a:fillRef idx="0">
-            <a:schemeClr val="accent1"/>
-          </a:fillRef>
-          <a:effectRef idx="0">
-            <a:schemeClr val="accent1"/>
-          </a:effectRef>
-          <a:fontRef idx="minor">
-            <a:schemeClr val="tx1"/>
-          </a:fontRef>
-        </p:style>
-        <p:txBody>
-          <a:bodyPr rtlCol="0" anchor="ctr"/>
-          <a:lstStyle/>
-          <a:p>
-            <a:pPr algn="ctr"/>
-            <a:endParaRPr lang="es-MX"/>
-          </a:p>
-        </p:txBody>
-      </p:sp>
-      <p:sp>
-        <p:nvSpPr>
-          <p:cNvPr id="14" name="CuadroTexto 13">
-            <a:extLst>
-              <a:ext uri="{FF2B5EF4-FFF2-40B4-BE49-F238E27FC236}">
-                <a16:creationId xmlns:a16="http://schemas.microsoft.com/office/drawing/2014/main" id="{7D138997-C337-460F-B57F-91195C7377E4}"/>
-              </a:ext>
-            </a:extLst>
-          </p:cNvPr>
-          <p:cNvSpPr txBox="1"/>
-          <p:nvPr/>
-        </p:nvSpPr>
-        <p:spPr>
-          <a:xfrm>
-            <a:off x="1741328" y="4321410"/>
-            <a:ext cx="1454888" cy="646331"/>
-          </a:xfrm>
-          <a:prstGeom prst="rect">
-            <a:avLst/>
-          </a:prstGeom>
-          <a:noFill/>
-        </p:spPr>
-        <p:txBody>
-          <a:bodyPr wrap="square">
-            <a:spAutoFit/>
-          </a:bodyPr>
-          <a:lstStyle/>
-          <a:p>
-            <a:pPr algn="ctr"/>
-            <a:r>
-              <a:rPr lang="es-ES" dirty="0">
-                <a:solidFill>
-                  <a:schemeClr val="accent5">
-                    <a:lumMod val="75000"/>
-                  </a:schemeClr>
-                </a:solidFill>
-                <a:latin typeface="-apple-system"/>
-              </a:rPr>
-              <a:t>Función lambda</a:t>
-            </a:r>
-          </a:p>
-        </p:txBody>
-      </p:sp>
-      <p:sp>
-        <p:nvSpPr>
-          <p:cNvPr id="15" name="CuadroTexto 14">
-            <a:extLst>
-              <a:ext uri="{FF2B5EF4-FFF2-40B4-BE49-F238E27FC236}">
-                <a16:creationId xmlns:a16="http://schemas.microsoft.com/office/drawing/2014/main" id="{0989A738-D75C-4714-B596-955068D7660A}"/>
-              </a:ext>
-            </a:extLst>
-          </p:cNvPr>
-          <p:cNvSpPr txBox="1"/>
-          <p:nvPr/>
-        </p:nvSpPr>
-        <p:spPr>
-          <a:xfrm>
-            <a:off x="2915816" y="4321410"/>
-            <a:ext cx="1257300" cy="646331"/>
-          </a:xfrm>
-          <a:prstGeom prst="rect">
-            <a:avLst/>
-          </a:prstGeom>
-          <a:noFill/>
-        </p:spPr>
-        <p:txBody>
-          <a:bodyPr wrap="square">
-            <a:spAutoFit/>
-          </a:bodyPr>
-          <a:lstStyle/>
-          <a:p>
-            <a:pPr algn="ctr"/>
-            <a:r>
-              <a:rPr lang="es-ES" dirty="0">
-                <a:solidFill>
-                  <a:schemeClr val="accent5">
-                    <a:lumMod val="75000"/>
-                  </a:schemeClr>
-                </a:solidFill>
-                <a:latin typeface="-apple-system"/>
-              </a:rPr>
-              <a:t>Listas iterables</a:t>
-            </a:r>
-          </a:p>
-        </p:txBody>
-      </p:sp>
-      <p:sp>
-        <p:nvSpPr>
-          <p:cNvPr id="16" name="CuadroTexto 15">
-            <a:extLst>
-              <a:ext uri="{FF2B5EF4-FFF2-40B4-BE49-F238E27FC236}">
-                <a16:creationId xmlns:a16="http://schemas.microsoft.com/office/drawing/2014/main" id="{01F96716-3262-40EC-A5A0-36CC3258E544}"/>
-              </a:ext>
-            </a:extLst>
-          </p:cNvPr>
-          <p:cNvSpPr txBox="1"/>
-          <p:nvPr/>
-        </p:nvSpPr>
-        <p:spPr>
-          <a:xfrm>
-            <a:off x="586397" y="1366044"/>
-            <a:ext cx="8098061" cy="646331"/>
-          </a:xfrm>
-          <a:prstGeom prst="rect">
-            <a:avLst/>
-          </a:prstGeom>
-          <a:noFill/>
-        </p:spPr>
-        <p:txBody>
-          <a:bodyPr wrap="square">
-            <a:spAutoFit/>
-          </a:bodyPr>
-          <a:lstStyle/>
-          <a:p>
-            <a:pPr algn="just">
-              <a:spcAft>
-                <a:spcPts val="1200"/>
-              </a:spcAft>
-            </a:pPr>
-            <a:r>
-              <a:rPr lang="es-ES" b="0" i="0" dirty="0">
-                <a:solidFill>
-                  <a:srgbClr val="3E4349"/>
-                </a:solidFill>
-                <a:effectLst/>
-              </a:rPr>
-              <a:t>Además se puede utilizar la función </a:t>
-            </a:r>
-            <a:r>
-              <a:rPr lang="es-ES" b="1" i="0" dirty="0" err="1">
-                <a:solidFill>
-                  <a:srgbClr val="FF0000"/>
-                </a:solidFill>
-                <a:effectLst/>
-              </a:rPr>
-              <a:t>map</a:t>
-            </a:r>
-            <a:r>
-              <a:rPr lang="es-ES" b="0" i="0" dirty="0">
-                <a:solidFill>
-                  <a:srgbClr val="3E4349"/>
-                </a:solidFill>
-                <a:effectLst/>
-              </a:rPr>
-              <a:t> sobre </a:t>
-            </a:r>
-            <a:r>
-              <a:rPr lang="es-ES" b="1" i="0" dirty="0">
-                <a:solidFill>
-                  <a:schemeClr val="accent6">
-                    <a:lumMod val="75000"/>
-                  </a:schemeClr>
-                </a:solidFill>
-                <a:effectLst/>
-              </a:rPr>
-              <a:t>más de un objeto iterable </a:t>
-            </a:r>
-            <a:r>
-              <a:rPr lang="es-ES" b="0" i="0" dirty="0">
-                <a:solidFill>
-                  <a:srgbClr val="3E4349"/>
-                </a:solidFill>
-                <a:effectLst/>
-              </a:rPr>
-              <a:t>con la condición que tengan la misma longitud. </a:t>
-            </a:r>
-            <a:endParaRPr lang="es-ES" b="0" i="0" dirty="0">
-              <a:solidFill>
-                <a:srgbClr val="AAAAAA"/>
-              </a:solidFill>
-              <a:effectLst/>
-              <a:latin typeface="Source Code Pro" panose="020B0509030403020204" pitchFamily="49" charset="0"/>
-            </a:endParaRPr>
-          </a:p>
-        </p:txBody>
-      </p:sp>
-      <p:sp>
-        <p:nvSpPr>
-          <p:cNvPr id="17" name="CuadroTexto 16">
-            <a:extLst>
-              <a:ext uri="{FF2B5EF4-FFF2-40B4-BE49-F238E27FC236}">
-                <a16:creationId xmlns:a16="http://schemas.microsoft.com/office/drawing/2014/main" id="{C6A87DC9-F3DB-49FC-901C-F97A5E960A3A}"/>
-              </a:ext>
-            </a:extLst>
-          </p:cNvPr>
-          <p:cNvSpPr txBox="1"/>
-          <p:nvPr/>
-        </p:nvSpPr>
-        <p:spPr>
-          <a:xfrm>
-            <a:off x="566873" y="2020741"/>
-            <a:ext cx="8098061" cy="1508105"/>
-          </a:xfrm>
-          <a:prstGeom prst="rect">
-            <a:avLst/>
-          </a:prstGeom>
-          <a:noFill/>
-        </p:spPr>
-        <p:txBody>
-          <a:bodyPr wrap="square">
-            <a:spAutoFit/>
-          </a:bodyPr>
-          <a:lstStyle/>
-          <a:p>
-            <a:pPr algn="l">
-              <a:spcAft>
-                <a:spcPts val="1200"/>
-              </a:spcAft>
-            </a:pPr>
-            <a:r>
-              <a:rPr lang="es-ES" b="1" i="0" u="none" strike="noStrike" dirty="0">
-                <a:solidFill>
-                  <a:srgbClr val="111111"/>
-                </a:solidFill>
-                <a:effectLst/>
-                <a:latin typeface="-apple-system"/>
-              </a:rPr>
-              <a:t>Ejemplo</a:t>
-            </a:r>
-          </a:p>
-          <a:p>
-            <a:pPr algn="just">
-              <a:spcAft>
-                <a:spcPts val="1200"/>
-              </a:spcAft>
-            </a:pPr>
-            <a:r>
-              <a:rPr lang="es-ES" b="0" i="0" dirty="0">
-                <a:solidFill>
-                  <a:srgbClr val="333333"/>
-                </a:solidFill>
-                <a:effectLst/>
-                <a:latin typeface="-apple-system"/>
-              </a:rPr>
-              <a:t>S</a:t>
-            </a:r>
-            <a:r>
-              <a:rPr lang="es-ES" b="0" i="0" dirty="0">
-                <a:solidFill>
-                  <a:srgbClr val="3E4349"/>
-                </a:solidFill>
-                <a:effectLst/>
-                <a:latin typeface="Georgia" panose="02040502050405020303" pitchFamily="18" charset="0"/>
-              </a:rPr>
-              <a:t>i requiere multiplicar los números de dos listas:</a:t>
-            </a:r>
-            <a:endParaRPr lang="es-ES" b="0" i="0" dirty="0">
-              <a:solidFill>
-                <a:srgbClr val="333333"/>
-              </a:solidFill>
-              <a:effectLst/>
-              <a:latin typeface="-apple-system"/>
-            </a:endParaRPr>
-          </a:p>
-          <a:p>
-            <a:pPr algn="l" rtl="0"/>
-            <a:r>
-              <a:rPr lang="es-ES" b="1" dirty="0">
-                <a:solidFill>
-                  <a:srgbClr val="000000"/>
-                </a:solidFill>
-                <a:latin typeface="inherit"/>
-              </a:rPr>
-              <a:t>a</a:t>
-            </a:r>
-            <a:r>
-              <a:rPr lang="es-ES" b="0" i="0" dirty="0">
-                <a:solidFill>
-                  <a:srgbClr val="000000"/>
-                </a:solidFill>
-                <a:effectLst/>
-                <a:latin typeface="inherit"/>
-              </a:rPr>
-              <a:t> = </a:t>
-            </a:r>
-            <a:r>
-              <a:rPr lang="es-ES" b="0" i="0" dirty="0">
-                <a:solidFill>
-                  <a:srgbClr val="444444"/>
-                </a:solidFill>
-                <a:effectLst/>
-                <a:latin typeface="inherit"/>
-              </a:rPr>
-              <a:t>[</a:t>
-            </a:r>
-            <a:r>
-              <a:rPr lang="es-ES" b="0" i="0" dirty="0">
-                <a:solidFill>
-                  <a:srgbClr val="D53AA9"/>
-                </a:solidFill>
-                <a:effectLst/>
-                <a:latin typeface="inherit"/>
-              </a:rPr>
-              <a:t>1</a:t>
-            </a:r>
-            <a:r>
-              <a:rPr lang="es-ES" b="0" i="0" dirty="0">
-                <a:solidFill>
-                  <a:srgbClr val="000000"/>
-                </a:solidFill>
-                <a:effectLst/>
-                <a:latin typeface="inherit"/>
-              </a:rPr>
-              <a:t>, </a:t>
-            </a:r>
-            <a:r>
-              <a:rPr lang="es-ES" b="0" i="0" dirty="0">
-                <a:solidFill>
-                  <a:srgbClr val="D53AA9"/>
-                </a:solidFill>
-                <a:effectLst/>
-                <a:latin typeface="inherit"/>
-              </a:rPr>
-              <a:t>2</a:t>
-            </a:r>
-            <a:r>
-              <a:rPr lang="es-ES" b="0" i="0" dirty="0">
-                <a:solidFill>
-                  <a:srgbClr val="000000"/>
-                </a:solidFill>
-                <a:effectLst/>
-                <a:latin typeface="inherit"/>
-              </a:rPr>
-              <a:t>, </a:t>
-            </a:r>
-            <a:r>
-              <a:rPr lang="es-ES" b="0" i="0" dirty="0">
-                <a:solidFill>
-                  <a:srgbClr val="D53AA9"/>
-                </a:solidFill>
-                <a:effectLst/>
-                <a:latin typeface="inherit"/>
-              </a:rPr>
-              <a:t>3</a:t>
-            </a:r>
-            <a:r>
-              <a:rPr lang="es-ES" b="0" i="0" dirty="0">
-                <a:solidFill>
-                  <a:srgbClr val="000000"/>
-                </a:solidFill>
-                <a:effectLst/>
-                <a:latin typeface="inherit"/>
-              </a:rPr>
-              <a:t>, </a:t>
-            </a:r>
-            <a:r>
-              <a:rPr lang="es-ES" b="0" i="0" dirty="0">
-                <a:solidFill>
-                  <a:srgbClr val="D53AA9"/>
-                </a:solidFill>
-                <a:effectLst/>
-                <a:latin typeface="inherit"/>
-              </a:rPr>
-              <a:t>4</a:t>
-            </a:r>
-            <a:r>
-              <a:rPr lang="es-ES" b="0" i="0" dirty="0">
-                <a:solidFill>
-                  <a:srgbClr val="000000"/>
-                </a:solidFill>
-                <a:effectLst/>
-                <a:latin typeface="inherit"/>
-              </a:rPr>
-              <a:t>, </a:t>
-            </a:r>
-            <a:r>
-              <a:rPr lang="es-ES" b="0" i="0" dirty="0">
-                <a:solidFill>
-                  <a:srgbClr val="D53AA9"/>
-                </a:solidFill>
-                <a:effectLst/>
-                <a:latin typeface="inherit"/>
-              </a:rPr>
-              <a:t>5</a:t>
-            </a:r>
-            <a:r>
-              <a:rPr lang="es-ES" b="0" i="0" dirty="0">
-                <a:solidFill>
-                  <a:srgbClr val="000000"/>
-                </a:solidFill>
-                <a:effectLst/>
-                <a:latin typeface="inherit"/>
-              </a:rPr>
-              <a:t>, </a:t>
-            </a:r>
-            <a:r>
-              <a:rPr lang="es-ES" b="0" i="0" dirty="0">
-                <a:solidFill>
-                  <a:srgbClr val="D53AA9"/>
-                </a:solidFill>
-                <a:effectLst/>
-                <a:latin typeface="inherit"/>
-              </a:rPr>
-              <a:t>6</a:t>
-            </a:r>
-            <a:r>
-              <a:rPr lang="es-ES" b="0" i="0" dirty="0">
-                <a:solidFill>
-                  <a:srgbClr val="444444"/>
-                </a:solidFill>
-                <a:effectLst/>
-                <a:latin typeface="inherit"/>
-              </a:rPr>
-              <a:t>]</a:t>
-            </a:r>
-            <a:endParaRPr lang="es-ES" b="0" i="0" dirty="0">
-              <a:solidFill>
-                <a:srgbClr val="AAAAAA"/>
-              </a:solidFill>
-              <a:effectLst/>
-              <a:latin typeface="Source Code Pro" panose="020B0509030403020204" pitchFamily="49" charset="0"/>
-            </a:endParaRPr>
-          </a:p>
-          <a:p>
-            <a:r>
-              <a:rPr lang="es-ES" b="1" dirty="0">
-                <a:solidFill>
-                  <a:srgbClr val="000000"/>
-                </a:solidFill>
-                <a:latin typeface="inherit"/>
-              </a:rPr>
-              <a:t>b</a:t>
-            </a:r>
-            <a:r>
-              <a:rPr lang="es-ES" b="0" i="0" dirty="0">
-                <a:solidFill>
-                  <a:srgbClr val="000000"/>
-                </a:solidFill>
-                <a:effectLst/>
-                <a:latin typeface="inherit"/>
-              </a:rPr>
-              <a:t> = </a:t>
-            </a:r>
-            <a:r>
-              <a:rPr lang="es-ES" b="0" i="0" dirty="0">
-                <a:solidFill>
-                  <a:srgbClr val="444444"/>
-                </a:solidFill>
-                <a:effectLst/>
-                <a:latin typeface="inherit"/>
-              </a:rPr>
-              <a:t>[</a:t>
-            </a:r>
-            <a:r>
-              <a:rPr lang="es-ES" b="0" i="0" dirty="0">
-                <a:solidFill>
-                  <a:srgbClr val="D53AA9"/>
-                </a:solidFill>
-                <a:effectLst/>
-                <a:latin typeface="inherit"/>
-              </a:rPr>
-              <a:t>6</a:t>
-            </a:r>
-            <a:r>
-              <a:rPr lang="es-ES" b="0" i="0" dirty="0">
-                <a:solidFill>
-                  <a:srgbClr val="000000"/>
-                </a:solidFill>
-                <a:effectLst/>
-                <a:latin typeface="inherit"/>
-              </a:rPr>
-              <a:t>, </a:t>
-            </a:r>
-            <a:r>
-              <a:rPr lang="es-ES" b="0" i="0" dirty="0">
-                <a:solidFill>
-                  <a:srgbClr val="D53AA9"/>
-                </a:solidFill>
-                <a:effectLst/>
-                <a:latin typeface="inherit"/>
-              </a:rPr>
-              <a:t>7</a:t>
-            </a:r>
-            <a:r>
-              <a:rPr lang="es-ES" b="0" i="0" dirty="0">
-                <a:solidFill>
-                  <a:srgbClr val="000000"/>
-                </a:solidFill>
-                <a:effectLst/>
-                <a:latin typeface="inherit"/>
-              </a:rPr>
-              <a:t>, </a:t>
-            </a:r>
-            <a:r>
-              <a:rPr lang="es-ES" b="0" i="0" dirty="0">
-                <a:solidFill>
-                  <a:srgbClr val="D53AA9"/>
-                </a:solidFill>
-                <a:effectLst/>
-                <a:latin typeface="inherit"/>
-              </a:rPr>
-              <a:t>8</a:t>
-            </a:r>
-            <a:r>
-              <a:rPr lang="es-ES" b="0" i="0" dirty="0">
-                <a:solidFill>
-                  <a:srgbClr val="000000"/>
-                </a:solidFill>
-                <a:effectLst/>
-                <a:latin typeface="inherit"/>
-              </a:rPr>
-              <a:t>, </a:t>
-            </a:r>
-            <a:r>
-              <a:rPr lang="es-ES" b="0" i="0" dirty="0">
-                <a:solidFill>
-                  <a:srgbClr val="D53AA9"/>
-                </a:solidFill>
-                <a:effectLst/>
-                <a:latin typeface="inherit"/>
-              </a:rPr>
-              <a:t>9</a:t>
-            </a:r>
-            <a:r>
-              <a:rPr lang="es-ES" b="0" i="0" dirty="0">
-                <a:solidFill>
-                  <a:srgbClr val="000000"/>
-                </a:solidFill>
-                <a:effectLst/>
-                <a:latin typeface="inherit"/>
-              </a:rPr>
-              <a:t>, </a:t>
-            </a:r>
-            <a:r>
-              <a:rPr lang="es-ES" b="0" i="0" dirty="0">
-                <a:solidFill>
-                  <a:srgbClr val="D53AA9"/>
-                </a:solidFill>
-                <a:effectLst/>
-                <a:latin typeface="inherit"/>
-              </a:rPr>
-              <a:t>10</a:t>
-            </a:r>
-            <a:r>
-              <a:rPr lang="es-ES" b="0" i="0" dirty="0">
-                <a:solidFill>
-                  <a:srgbClr val="444444"/>
-                </a:solidFill>
-                <a:effectLst/>
-                <a:latin typeface="inherit"/>
-              </a:rPr>
-              <a:t>]</a:t>
-            </a:r>
-            <a:endParaRPr lang="es-ES" b="0" i="0" dirty="0">
-              <a:solidFill>
-                <a:srgbClr val="AAAAAA"/>
-              </a:solidFill>
-              <a:effectLst/>
-              <a:latin typeface="Source Code Pro" panose="020B0509030403020204" pitchFamily="49" charset="0"/>
-            </a:endParaRPr>
-          </a:p>
-        </p:txBody>
-      </p:sp>
-      <p:pic>
-        <p:nvPicPr>
-          <p:cNvPr id="3" name="Imagen 2">
-            <a:extLst>
-              <a:ext uri="{FF2B5EF4-FFF2-40B4-BE49-F238E27FC236}">
-                <a16:creationId xmlns:a16="http://schemas.microsoft.com/office/drawing/2014/main" id="{ACBE5278-3604-4213-B2C3-D57A915286DF}"/>
-              </a:ext>
-            </a:extLst>
-          </p:cNvPr>
-          <p:cNvPicPr>
-            <a:picLocks noChangeAspect="1"/>
-          </p:cNvPicPr>
-          <p:nvPr/>
-        </p:nvPicPr>
-        <p:blipFill>
-          <a:blip r:embed="rId4"/>
-          <a:stretch>
-            <a:fillRect/>
-          </a:stretch>
-        </p:blipFill>
-        <p:spPr>
-          <a:xfrm>
-            <a:off x="4575912" y="4072387"/>
-            <a:ext cx="4128445" cy="1983331"/>
-          </a:xfrm>
-          <a:prstGeom prst="rect">
-            <a:avLst/>
-          </a:prstGeom>
-        </p:spPr>
-      </p:pic>
-    </p:spTree>
-    <p:extLst>
-      <p:ext uri="{BB962C8B-B14F-4D97-AF65-F5344CB8AC3E}">
-        <p14:creationId xmlns:p14="http://schemas.microsoft.com/office/powerpoint/2010/main" val="578612192"/>
-      </p:ext>
-    </p:extLst>
-  </p:cSld>
-  <p:clrMapOvr>
-    <a:masterClrMapping/>
-  </p:clrMapOvr>
-</p:sld>
-</file>
-
 <file path=ppt/slides/slide13.xml><?xml version="1.0" encoding="utf-8"?>
 <p:sld xmlns:a="http://schemas.openxmlformats.org/drawingml/2006/main" xmlns:r="http://schemas.openxmlformats.org/officeDocument/2006/relationships" xmlns:p="http://schemas.openxmlformats.org/presentationml/2006/main">
   <p:cSld>
@@ -8016,8 +7850,8 @@
         </p:nvSpPr>
         <p:spPr>
           <a:xfrm>
-            <a:off x="661209" y="3430463"/>
-            <a:ext cx="7848871" cy="2769989"/>
+            <a:off x="851574" y="1651982"/>
+            <a:ext cx="7848871" cy="2523768"/>
           </a:xfrm>
           <a:prstGeom prst="rect">
             <a:avLst/>
@@ -8185,12 +8019,6 @@
               </a:rPr>
               <a:t>A continuación, se vuelve a llamar a la función con el resultado obtenido en el paso 1 y el siguiente valor de la secuencia. Este proceso se repite hasta que hay elementos en la secuencia.</a:t>
             </a:r>
-          </a:p>
-          <a:p>
-            <a:pPr marL="285750" indent="-285750" algn="just">
-              <a:buFont typeface="Arial" panose="020B0604020202020204" pitchFamily="34" charset="0"/>
-              <a:buChar char="•"/>
-            </a:pPr>
             <a:endParaRPr lang="es-ES" sz="1600" b="0" i="0" dirty="0">
               <a:solidFill>
                 <a:schemeClr val="tx1">
@@ -8217,8 +8045,8 @@
         </p:nvSpPr>
         <p:spPr>
           <a:xfrm>
-            <a:off x="4572000" y="3395910"/>
-            <a:ext cx="4572000" cy="1077218"/>
+            <a:off x="1187624" y="4375021"/>
+            <a:ext cx="4572000" cy="830997"/>
           </a:xfrm>
           <a:prstGeom prst="rect">
             <a:avLst/>
@@ -8230,16 +8058,6 @@
             <a:spAutoFit/>
           </a:bodyPr>
           <a:lstStyle/>
-          <a:p>
-            <a:pPr algn="l" rtl="0"/>
-            <a:endParaRPr lang="es-ES" sz="1600" b="0" i="0" dirty="0">
-              <a:solidFill>
-                <a:srgbClr val="AAAAAA"/>
-              </a:solidFill>
-              <a:effectLst/>
-              <a:latin typeface="Source Code Pro" panose="020B0509030403020204" pitchFamily="49" charset="0"/>
-            </a:endParaRPr>
-          </a:p>
           <a:p>
             <a:pPr algn="l" rtl="0"/>
             <a:r>
@@ -8564,7 +8382,7 @@
         </p:blipFill>
         <p:spPr>
           <a:xfrm>
-            <a:off x="7529249" y="1766011"/>
+            <a:off x="7746952" y="4258450"/>
             <a:ext cx="929555" cy="1203377"/>
           </a:xfrm>
           <a:prstGeom prst="rect">
@@ -8572,89 +8390,6 @@
           </a:prstGeom>
         </p:spPr>
       </p:pic>
-      <p:sp>
-        <p:nvSpPr>
-          <p:cNvPr id="11" name="CuadroTexto 10">
-            <a:extLst>
-              <a:ext uri="{FF2B5EF4-FFF2-40B4-BE49-F238E27FC236}">
-                <a16:creationId xmlns:a16="http://schemas.microsoft.com/office/drawing/2014/main" id="{BEB3E6D9-E325-468C-8A7B-3A77FC5D2E9F}"/>
-              </a:ext>
-            </a:extLst>
-          </p:cNvPr>
-          <p:cNvSpPr txBox="1"/>
-          <p:nvPr/>
-        </p:nvSpPr>
-        <p:spPr>
-          <a:xfrm>
-            <a:off x="652817" y="1705981"/>
-            <a:ext cx="6727495" cy="1569660"/>
-          </a:xfrm>
-          <a:prstGeom prst="rect">
-            <a:avLst/>
-          </a:prstGeom>
-          <a:noFill/>
-        </p:spPr>
-        <p:txBody>
-          <a:bodyPr wrap="square">
-            <a:spAutoFit/>
-          </a:bodyPr>
-          <a:lstStyle/>
-          <a:p>
-            <a:pPr algn="just"/>
-            <a:r>
-              <a:rPr lang="es-ES" sz="1600" dirty="0">
-                <a:solidFill>
-                  <a:srgbClr val="333333"/>
-                </a:solidFill>
-                <a:latin typeface="-apple-system"/>
-              </a:rPr>
-              <a:t>La función </a:t>
-            </a:r>
-            <a:r>
-              <a:rPr lang="es-ES" sz="1600" b="1" dirty="0">
-                <a:solidFill>
-                  <a:srgbClr val="FF0000"/>
-                </a:solidFill>
-                <a:latin typeface="-apple-system"/>
-              </a:rPr>
-              <a:t>reduce() </a:t>
-            </a:r>
-            <a:r>
-              <a:rPr lang="es-ES" sz="1600" dirty="0">
-                <a:solidFill>
-                  <a:srgbClr val="333333"/>
-                </a:solidFill>
-                <a:latin typeface="-apple-system"/>
-              </a:rPr>
-              <a:t>aplica una función a un iterable, ejecutándose de manera reiterada y de izquierda a derecha, sobre </a:t>
-            </a:r>
-            <a:r>
-              <a:rPr lang="es-ES" sz="1600" b="1" dirty="0">
-                <a:solidFill>
-                  <a:srgbClr val="333333"/>
-                </a:solidFill>
-                <a:latin typeface="-apple-system"/>
-              </a:rPr>
-              <a:t>pares de elementos </a:t>
-            </a:r>
-            <a:r>
-              <a:rPr lang="es-ES" sz="1600" dirty="0">
-                <a:solidFill>
-                  <a:srgbClr val="333333"/>
-                </a:solidFill>
-                <a:latin typeface="-apple-system"/>
-              </a:rPr>
-              <a:t>hasta mostrar un único valor. Actúa ejecutando la función con los dos primeros valores del iterable (iterable[0] e iterable[1]) y, a partir de aquí, el resultado con el tercero; el resultado de lo anterior con el cuarto; el resultado de lo anterior con el quinto; y así sucesivamente hasta conseguir un único valor.</a:t>
-            </a:r>
-            <a:endParaRPr lang="es-MX" sz="1600" dirty="0">
-              <a:solidFill>
-                <a:srgbClr val="333333"/>
-              </a:solidFill>
-              <a:latin typeface="-apple-system"/>
-            </a:endParaRPr>
-          </a:p>
-        </p:txBody>
-      </p:sp>
     </p:spTree>
     <p:extLst>
       <p:ext uri="{BB962C8B-B14F-4D97-AF65-F5344CB8AC3E}">
@@ -9608,8 +9343,8 @@
         </p:nvSpPr>
         <p:spPr>
           <a:xfrm>
-            <a:off x="3168915" y="4400042"/>
-            <a:ext cx="1584178" cy="369332"/>
+            <a:off x="3187089" y="4391305"/>
+            <a:ext cx="1321270" cy="646331"/>
           </a:xfrm>
           <a:prstGeom prst="rect">
             <a:avLst/>
@@ -9659,7 +9394,7 @@
         </p:blipFill>
         <p:spPr>
           <a:xfrm>
-            <a:off x="654217" y="4917783"/>
+            <a:off x="640516" y="5127228"/>
             <a:ext cx="3194836" cy="1360847"/>
           </a:xfrm>
           <a:prstGeom prst="rect">
@@ -9689,7 +9424,7 @@
         </p:blipFill>
         <p:spPr>
           <a:xfrm>
-            <a:off x="7009206" y="4917783"/>
+            <a:off x="7020272" y="4993180"/>
             <a:ext cx="1228725" cy="1590675"/>
           </a:xfrm>
           <a:prstGeom prst="rect">
@@ -15740,8 +15475,8 @@
         </p:nvSpPr>
         <p:spPr>
           <a:xfrm>
-            <a:off x="603115" y="5242041"/>
-            <a:ext cx="5359901" cy="646331"/>
+            <a:off x="724267" y="5183765"/>
+            <a:ext cx="3703717" cy="646331"/>
           </a:xfrm>
           <a:prstGeom prst="rect">
             <a:avLst/>
@@ -15763,7 +15498,7 @@
                 <a:effectLst/>
                 <a:latin typeface="inherit"/>
               </a:rPr>
-              <a:t>lista2 = </a:t>
+              <a:t>c = </a:t>
             </a:r>
             <a:r>
               <a:rPr lang="es-ES" b="0" i="0" dirty="0" err="1">
@@ -15833,7 +15568,7 @@
                 <a:effectLst/>
                 <a:latin typeface="inherit"/>
               </a:rPr>
-              <a:t>lista, tupla</a:t>
+              <a:t>a, b</a:t>
             </a:r>
             <a:r>
               <a:rPr lang="es-ES" b="0" i="0" dirty="0">
@@ -15873,7 +15608,27 @@
                 <a:effectLst/>
                 <a:latin typeface="inherit"/>
               </a:rPr>
-              <a:t>(lista2)</a:t>
+              <a:t>(</a:t>
+            </a:r>
+            <a:r>
+              <a:rPr lang="es-ES" b="0" i="0" dirty="0">
+                <a:solidFill>
+                  <a:srgbClr val="000000"/>
+                </a:solidFill>
+                <a:effectLst/>
+                <a:latin typeface="inherit"/>
+              </a:rPr>
+              <a:t>c</a:t>
+            </a:r>
+            <a:r>
+              <a:rPr lang="es-ES" b="0" i="0" dirty="0">
+                <a:solidFill>
+                  <a:srgbClr val="444444"/>
+                </a:solidFill>
+                <a:effectLst/>
+                <a:latin typeface="inherit"/>
+              </a:rPr>
+              <a:t>)</a:t>
             </a:r>
             <a:endParaRPr lang="es-ES" b="0" i="0" dirty="0">
               <a:solidFill>
@@ -15885,6 +15640,36 @@
           </a:p>
         </p:txBody>
       </p:sp>
+      <p:pic>
+        <p:nvPicPr>
+          <p:cNvPr id="4" name="Imagen 3">
+            <a:extLst>
+              <a:ext uri="{FF2B5EF4-FFF2-40B4-BE49-F238E27FC236}">
+                <a16:creationId xmlns:a16="http://schemas.microsoft.com/office/drawing/2014/main" id="{89DD4558-092D-4F51-ABC6-5F9957054FCF}"/>
+              </a:ext>
+            </a:extLst>
+          </p:cNvPr>
+          <p:cNvPicPr>
+            <a:picLocks noChangeAspect="1"/>
+          </p:cNvPicPr>
+          <p:nvPr/>
+        </p:nvPicPr>
+        <p:blipFill>
+          <a:blip r:embed="rId3"/>
+          <a:stretch>
+            <a:fillRect/>
+          </a:stretch>
+        </p:blipFill>
+        <p:spPr>
+          <a:xfrm>
+            <a:off x="7319827" y="2032705"/>
+            <a:ext cx="1257300" cy="1590675"/>
+          </a:xfrm>
+          <a:prstGeom prst="rect">
+            <a:avLst/>
+          </a:prstGeom>
+        </p:spPr>
+      </p:pic>
       <p:sp>
         <p:nvSpPr>
           <p:cNvPr id="11" name="CuadroTexto 10">
@@ -15900,7 +15685,7 @@
         <p:spPr>
           <a:xfrm>
             <a:off x="1043608" y="3703055"/>
-            <a:ext cx="3703716" cy="369332"/>
+            <a:ext cx="2952328" cy="369332"/>
           </a:xfrm>
           <a:prstGeom prst="rect">
             <a:avLst/>
@@ -15954,7 +15739,7 @@
                 <a:effectLst/>
                 <a:latin typeface="inherit"/>
               </a:rPr>
-              <a:t> x, y: x**y,  </a:t>
+              <a:t> x, y: x*y,  </a:t>
             </a:r>
             <a:r>
               <a:rPr lang="es-ES" b="1" i="0" dirty="0">
@@ -15964,7 +15749,7 @@
                 <a:effectLst/>
                 <a:latin typeface="inherit"/>
               </a:rPr>
-              <a:t>lista, tupla</a:t>
+              <a:t>a, b</a:t>
             </a:r>
             <a:r>
               <a:rPr lang="es-ES" b="0" i="0" dirty="0">
@@ -15993,8 +15778,8 @@
         </p:nvSpPr>
         <p:spPr>
           <a:xfrm rot="16200000">
-            <a:off x="2303998" y="3357968"/>
-            <a:ext cx="265175" cy="1633824"/>
+            <a:off x="2248409" y="3413557"/>
+            <a:ext cx="246118" cy="1503589"/>
           </a:xfrm>
           <a:prstGeom prst="leftBrace">
             <a:avLst/>
@@ -16037,8 +15822,8 @@
         </p:nvSpPr>
         <p:spPr>
           <a:xfrm rot="16200000">
-            <a:off x="3776247" y="3594856"/>
-            <a:ext cx="223358" cy="1080121"/>
+            <a:off x="3330654" y="3896432"/>
+            <a:ext cx="265173" cy="518784"/>
           </a:xfrm>
           <a:prstGeom prst="leftBrace">
             <a:avLst/>
@@ -16124,8 +15909,8 @@
         </p:nvSpPr>
         <p:spPr>
           <a:xfrm>
-            <a:off x="3059832" y="4321410"/>
-            <a:ext cx="1633825" cy="646331"/>
+            <a:off x="2915816" y="4321410"/>
+            <a:ext cx="1257300" cy="646331"/>
           </a:xfrm>
           <a:prstGeom prst="rect">
             <a:avLst/>
@@ -16148,7 +15933,7 @@
                 </a:solidFill>
                 <a:latin typeface="-apple-system"/>
               </a:rPr>
-              <a:t>Objetos iterables</a:t>
+              <a:t>Listas iterables</a:t>
             </a:r>
           </a:p>
         </p:txBody>
@@ -16257,8 +16042,8 @@
         </p:nvSpPr>
         <p:spPr>
           <a:xfrm>
-            <a:off x="566872" y="2020741"/>
-            <a:ext cx="8117585" cy="1508105"/>
+            <a:off x="566873" y="2020741"/>
+            <a:ext cx="8098061" cy="1508105"/>
           </a:xfrm>
           <a:prstGeom prst="rect">
             <a:avLst/>
@@ -16288,7 +16073,7 @@
             </a:r>
           </a:p>
           <a:p>
-            <a:pPr algn="l">
+            <a:pPr algn="just">
               <a:spcAft>
                 <a:spcPts val="1200"/>
               </a:spcAft>
@@ -16299,8 +16084,9 @@
                   <a:srgbClr val="333333"/>
                 </a:solidFill>
                 <a:effectLst/>
-              </a:rPr>
-              <a:t>Se nos pide</a:t>
+                <a:latin typeface="-apple-system"/>
+              </a:rPr>
+              <a:t>S</a:t>
             </a:r>
             <a:r>
               <a:rPr lang="es-ES" b="0" i="0" dirty="0">
@@ -16308,31 +16094,16 @@
                   <a:srgbClr val="3E4349"/>
                 </a:solidFill>
                 <a:effectLst/>
-              </a:rPr>
-              <a:t> elevar </a:t>
-            </a:r>
-            <a:r>
-              <a:rPr lang="es-ES" dirty="0">
-                <a:solidFill>
-                  <a:srgbClr val="3E4349"/>
-                </a:solidFill>
-              </a:rPr>
-              <a:t>los números  de la lista a la potencia de los números de la tupla</a:t>
-            </a:r>
-            <a:r>
-              <a:rPr lang="es-ES" b="0" i="0" dirty="0">
-                <a:solidFill>
-                  <a:srgbClr val="3E4349"/>
-                </a:solidFill>
-                <a:effectLst/>
-              </a:rPr>
-              <a:t>:</a:t>
+                <a:latin typeface="Georgia" panose="02040502050405020303" pitchFamily="18" charset="0"/>
+              </a:rPr>
+              <a:t>i requiere multiplicar los números de dos listas:</a:t>
             </a:r>
             <a:endParaRPr lang="es-ES" b="0" i="0" dirty="0">
               <a:solidFill>
                 <a:srgbClr val="333333"/>
               </a:solidFill>
               <a:effectLst/>
+              <a:latin typeface="-apple-system"/>
             </a:endParaRPr>
           </a:p>
           <a:p>
@@ -16344,7 +16115,7 @@
                 </a:solidFill>
                 <a:latin typeface="inherit"/>
               </a:rPr>
-              <a:t>lista</a:t>
+              <a:t>a</a:t>
             </a:r>
             <a:r>
               <a:rPr lang="es-ES" b="0" i="0" dirty="0">
@@ -16455,6 +16226,26 @@
                 <a:latin typeface="inherit"/>
               </a:rPr>
               <a:t>5</a:t>
+            </a:r>
+            <a:r>
+              <a:rPr lang="es-ES" b="0" i="0" dirty="0">
+                <a:solidFill>
+                  <a:srgbClr val="000000"/>
+                </a:solidFill>
+                <a:effectLst/>
+                <a:latin typeface="inherit"/>
+              </a:rPr>
+              <a:t>, </a:t>
+            </a:r>
+            <a:r>
+              <a:rPr lang="es-ES" b="0" i="0" dirty="0">
+                <a:solidFill>
+                  <a:srgbClr val="D53AA9"/>
+                </a:solidFill>
+                <a:effectLst/>
+                <a:latin typeface="inherit"/>
+              </a:rPr>
+              <a:t>6</a:t>
             </a:r>
             <a:r>
               <a:rPr lang="es-ES" b="0" i="0" dirty="0">
@@ -16482,7 +16273,7 @@
                 </a:solidFill>
                 <a:latin typeface="inherit"/>
               </a:rPr>
-              <a:t>tupla</a:t>
+              <a:t>b</a:t>
             </a:r>
             <a:r>
               <a:rPr lang="es-ES" b="0" i="0" dirty="0">
@@ -16492,7 +16283,117 @@
                 <a:effectLst/>
                 <a:latin typeface="inherit"/>
               </a:rPr>
-              <a:t> = (1, 2, 3, 4, 5)</a:t>
+              <a:t> = </a:t>
+            </a:r>
+            <a:r>
+              <a:rPr lang="es-ES" b="0" i="0" dirty="0">
+                <a:solidFill>
+                  <a:srgbClr val="444444"/>
+                </a:solidFill>
+                <a:effectLst/>
+                <a:latin typeface="inherit"/>
+              </a:rPr>
+              <a:t>[</a:t>
+            </a:r>
+            <a:r>
+              <a:rPr lang="es-ES" b="0" i="0" dirty="0">
+                <a:solidFill>
+                  <a:srgbClr val="D53AA9"/>
+                </a:solidFill>
+                <a:effectLst/>
+                <a:latin typeface="inherit"/>
+              </a:rPr>
+              <a:t>6</a:t>
+            </a:r>
+            <a:r>
+              <a:rPr lang="es-ES" b="0" i="0" dirty="0">
+                <a:solidFill>
+                  <a:srgbClr val="000000"/>
+                </a:solidFill>
+                <a:effectLst/>
+                <a:latin typeface="inherit"/>
+              </a:rPr>
+              <a:t>, </a:t>
+            </a:r>
+            <a:r>
+              <a:rPr lang="es-ES" b="0" i="0" dirty="0">
+                <a:solidFill>
+                  <a:srgbClr val="D53AA9"/>
+                </a:solidFill>
+                <a:effectLst/>
+                <a:latin typeface="inherit"/>
+              </a:rPr>
+              <a:t>7</a:t>
+            </a:r>
+            <a:r>
+              <a:rPr lang="es-ES" b="0" i="0" dirty="0">
+                <a:solidFill>
+                  <a:srgbClr val="000000"/>
+                </a:solidFill>
+                <a:effectLst/>
+                <a:latin typeface="inherit"/>
+              </a:rPr>
+              <a:t>, </a:t>
+            </a:r>
+            <a:r>
+              <a:rPr lang="es-ES" b="0" i="0" dirty="0">
+                <a:solidFill>
+                  <a:srgbClr val="D53AA9"/>
+                </a:solidFill>
+                <a:effectLst/>
+                <a:latin typeface="inherit"/>
+              </a:rPr>
+              <a:t>8</a:t>
+            </a:r>
+            <a:r>
+              <a:rPr lang="es-ES" b="0" i="0" dirty="0">
+                <a:solidFill>
+                  <a:srgbClr val="000000"/>
+                </a:solidFill>
+                <a:effectLst/>
+                <a:latin typeface="inherit"/>
+              </a:rPr>
+              <a:t>, </a:t>
+            </a:r>
+            <a:r>
+              <a:rPr lang="es-ES" b="0" i="0" dirty="0">
+                <a:solidFill>
+                  <a:srgbClr val="D53AA9"/>
+                </a:solidFill>
+                <a:effectLst/>
+                <a:latin typeface="inherit"/>
+              </a:rPr>
+              <a:t>9</a:t>
+            </a:r>
+            <a:r>
+              <a:rPr lang="es-ES" b="0" i="0" dirty="0">
+                <a:solidFill>
+                  <a:srgbClr val="000000"/>
+                </a:solidFill>
+                <a:effectLst/>
+                <a:latin typeface="inherit"/>
+              </a:rPr>
+              <a:t>, </a:t>
+            </a:r>
+            <a:r>
+              <a:rPr lang="es-ES" b="0" i="0" dirty="0">
+                <a:solidFill>
+                  <a:srgbClr val="D53AA9"/>
+                </a:solidFill>
+                <a:effectLst/>
+                <a:latin typeface="inherit"/>
+              </a:rPr>
+              <a:t>10</a:t>
+            </a:r>
+            <a:r>
+              <a:rPr lang="es-ES" b="0" i="0" dirty="0">
+                <a:solidFill>
+                  <a:srgbClr val="444444"/>
+                </a:solidFill>
+                <a:effectLst/>
+                <a:latin typeface="inherit"/>
+              </a:rPr>
+              <a:t>]</a:t>
             </a:r>
             <a:endParaRPr lang="es-ES" b="0" i="0" dirty="0">
               <a:solidFill>
@@ -16506,10 +16407,10 @@
       </p:sp>
       <p:pic>
         <p:nvPicPr>
-          <p:cNvPr id="5" name="Imagen 4">
+          <p:cNvPr id="3" name="Imagen 2">
             <a:extLst>
               <a:ext uri="{FF2B5EF4-FFF2-40B4-BE49-F238E27FC236}">
-                <a16:creationId xmlns:a16="http://schemas.microsoft.com/office/drawing/2014/main" id="{67BDF8E8-7AC7-4D80-B889-BD448B9F90C5}"/>
+                <a16:creationId xmlns:a16="http://schemas.microsoft.com/office/drawing/2014/main" id="{ACBE5278-3604-4213-B2C3-D57A915286DF}"/>
               </a:ext>
             </a:extLst>
           </p:cNvPr>
@@ -16519,15 +16420,15 @@
           <p:nvPr/>
         </p:nvPicPr>
         <p:blipFill>
-          <a:blip r:embed="rId3"/>
+          <a:blip r:embed="rId4"/>
           <a:stretch>
             <a:fillRect/>
           </a:stretch>
         </p:blipFill>
         <p:spPr>
           <a:xfrm>
-            <a:off x="5220072" y="3441651"/>
-            <a:ext cx="3823998" cy="2511719"/>
+            <a:off x="4575912" y="4072387"/>
+            <a:ext cx="4128445" cy="1983331"/>
           </a:xfrm>
           <a:prstGeom prst="rect">
             <a:avLst/>
@@ -16537,7 +16438,7 @@
     </p:spTree>
     <p:extLst>
       <p:ext uri="{BB962C8B-B14F-4D97-AF65-F5344CB8AC3E}">
-        <p14:creationId xmlns:p14="http://schemas.microsoft.com/office/powerpoint/2010/main" val="1517084051"/>
+        <p14:creationId xmlns:p14="http://schemas.microsoft.com/office/powerpoint/2010/main" val="2177365238"/>
       </p:ext>
     </p:extLst>
   </p:cSld>
